--- a/testing_asana_project/Asana Presentation.pptx
+++ b/testing_asana_project/Asana Presentation.pptx
@@ -111,6 +111,11 @@
       </a:defRPr>
     </a:lvl9pPr>
   </p:defaultTextStyle>
+  <p:extLst>
+    <p:ext uri="{EFAFB233-063F-42B5-8137-9DF3F51BA10A}">
+      <p15:sldGuideLst xmlns:p15="http://schemas.microsoft.com/office/powerpoint/2012/main"/>
+    </p:ext>
+  </p:extLst>
 </p:presentation>
 </file>
 
@@ -4848,7 +4853,7 @@
         <p:spPr>
           <a:xfrm>
             <a:off x="1408383" y="2301302"/>
-            <a:ext cx="3945558" cy="3965386"/>
+            <a:ext cx="4330360" cy="4352122"/>
           </a:xfrm>
           <a:prstGeom prst="rect">
             <a:avLst/>
@@ -4879,8 +4884,8 @@
         </p:blipFill>
         <p:spPr>
           <a:xfrm>
-            <a:off x="6838060" y="2283014"/>
-            <a:ext cx="4077518" cy="3965386"/>
+            <a:off x="6421582" y="2283013"/>
+            <a:ext cx="4493996" cy="4370411"/>
           </a:xfrm>
           <a:prstGeom prst="rect">
             <a:avLst/>
@@ -5312,10 +5317,10 @@
       </p:sp>
       <p:pic>
         <p:nvPicPr>
-          <p:cNvPr id="4" name="תמונה 3">
-            <a:extLst>
-              <a:ext uri="{FF2B5EF4-FFF2-40B4-BE49-F238E27FC236}">
-                <a16:creationId xmlns:a16="http://schemas.microsoft.com/office/drawing/2014/main" id="{1A257E17-D4A8-3A1C-CD67-3F2167966F63}"/>
+          <p:cNvPr id="3" name="תמונה 2">
+            <a:extLst>
+              <a:ext uri="{FF2B5EF4-FFF2-40B4-BE49-F238E27FC236}">
+                <a16:creationId xmlns:a16="http://schemas.microsoft.com/office/drawing/2014/main" id="{FF72D053-F0F4-2C45-B9A9-636B5D8427F5}"/>
               </a:ext>
             </a:extLst>
           </p:cNvPr>
@@ -5332,8 +5337,8 @@
         </p:blipFill>
         <p:spPr>
           <a:xfrm>
-            <a:off x="2205969" y="2168525"/>
-            <a:ext cx="7777013" cy="4575175"/>
+            <a:off x="1792395" y="2050350"/>
+            <a:ext cx="8604162" cy="4626271"/>
           </a:xfrm>
           <a:prstGeom prst="rect">
             <a:avLst/>
@@ -5765,10 +5770,10 @@
       </p:sp>
       <p:pic>
         <p:nvPicPr>
-          <p:cNvPr id="5" name="תמונה 4">
-            <a:extLst>
-              <a:ext uri="{FF2B5EF4-FFF2-40B4-BE49-F238E27FC236}">
-                <a16:creationId xmlns:a16="http://schemas.microsoft.com/office/drawing/2014/main" id="{6214843E-7399-EFA9-1718-3C64CA0B2EFB}"/>
+          <p:cNvPr id="6" name="תמונה 5">
+            <a:extLst>
+              <a:ext uri="{FF2B5EF4-FFF2-40B4-BE49-F238E27FC236}">
+                <a16:creationId xmlns:a16="http://schemas.microsoft.com/office/drawing/2014/main" id="{E3440CF6-512C-27FB-9863-B61F585E19CF}"/>
               </a:ext>
             </a:extLst>
           </p:cNvPr>
@@ -5785,8 +5790,8 @@
         </p:blipFill>
         <p:spPr>
           <a:xfrm>
-            <a:off x="2162558" y="2125150"/>
-            <a:ext cx="7866883" cy="4465320"/>
+            <a:off x="2610450" y="2074579"/>
+            <a:ext cx="6971099" cy="4683109"/>
           </a:xfrm>
           <a:prstGeom prst="rect">
             <a:avLst/>

--- a/testing_asana_project/Asana Presentation.pptx
+++ b/testing_asana_project/Asana Presentation.pptx
@@ -119,6 +119,3116 @@
 </p:presentation>
 </file>
 
+<file path=ppt/diagrams/colors1.xml><?xml version="1.0" encoding="utf-8"?>
+<dgm:colorsDef xmlns:dgm="http://schemas.openxmlformats.org/drawingml/2006/diagram" xmlns:a="http://schemas.openxmlformats.org/drawingml/2006/main" uniqueId="urn:microsoft.com/office/officeart/2005/8/colors/accent1_2">
+  <dgm:title val=""/>
+  <dgm:desc val=""/>
+  <dgm:catLst>
+    <dgm:cat type="accent1" pri="11200"/>
+  </dgm:catLst>
+  <dgm:styleLbl name="node0">
+    <dgm:fillClrLst meth="repeat">
+      <a:schemeClr val="accent1"/>
+    </dgm:fillClrLst>
+    <dgm:linClrLst meth="repeat">
+      <a:schemeClr val="lt1"/>
+    </dgm:linClrLst>
+    <dgm:effectClrLst/>
+    <dgm:txLinClrLst/>
+    <dgm:txFillClrLst/>
+    <dgm:txEffectClrLst/>
+  </dgm:styleLbl>
+  <dgm:styleLbl name="alignNode1">
+    <dgm:fillClrLst meth="repeat">
+      <a:schemeClr val="accent1"/>
+    </dgm:fillClrLst>
+    <dgm:linClrLst meth="repeat">
+      <a:schemeClr val="accent1"/>
+    </dgm:linClrLst>
+    <dgm:effectClrLst/>
+    <dgm:txLinClrLst/>
+    <dgm:txFillClrLst/>
+    <dgm:txEffectClrLst/>
+  </dgm:styleLbl>
+  <dgm:styleLbl name="node1">
+    <dgm:fillClrLst meth="repeat">
+      <a:schemeClr val="accent1"/>
+    </dgm:fillClrLst>
+    <dgm:linClrLst meth="repeat">
+      <a:schemeClr val="lt1"/>
+    </dgm:linClrLst>
+    <dgm:effectClrLst/>
+    <dgm:txLinClrLst/>
+    <dgm:txFillClrLst/>
+    <dgm:txEffectClrLst/>
+  </dgm:styleLbl>
+  <dgm:styleLbl name="lnNode1">
+    <dgm:fillClrLst meth="repeat">
+      <a:schemeClr val="accent1"/>
+    </dgm:fillClrLst>
+    <dgm:linClrLst meth="repeat">
+      <a:schemeClr val="lt1"/>
+    </dgm:linClrLst>
+    <dgm:effectClrLst/>
+    <dgm:txLinClrLst/>
+    <dgm:txFillClrLst/>
+    <dgm:txEffectClrLst/>
+  </dgm:styleLbl>
+  <dgm:styleLbl name="vennNode1">
+    <dgm:fillClrLst meth="repeat">
+      <a:schemeClr val="accent1">
+        <a:alpha val="50000"/>
+      </a:schemeClr>
+    </dgm:fillClrLst>
+    <dgm:linClrLst meth="repeat">
+      <a:schemeClr val="lt1"/>
+    </dgm:linClrLst>
+    <dgm:effectClrLst/>
+    <dgm:txLinClrLst/>
+    <dgm:txFillClrLst/>
+    <dgm:txEffectClrLst/>
+  </dgm:styleLbl>
+  <dgm:styleLbl name="node2">
+    <dgm:fillClrLst meth="repeat">
+      <a:schemeClr val="accent1"/>
+    </dgm:fillClrLst>
+    <dgm:linClrLst meth="repeat">
+      <a:schemeClr val="lt1"/>
+    </dgm:linClrLst>
+    <dgm:effectClrLst/>
+    <dgm:txLinClrLst/>
+    <dgm:txFillClrLst/>
+    <dgm:txEffectClrLst/>
+  </dgm:styleLbl>
+  <dgm:styleLbl name="node3">
+    <dgm:fillClrLst meth="repeat">
+      <a:schemeClr val="accent1"/>
+    </dgm:fillClrLst>
+    <dgm:linClrLst meth="repeat">
+      <a:schemeClr val="lt1"/>
+    </dgm:linClrLst>
+    <dgm:effectClrLst/>
+    <dgm:txLinClrLst/>
+    <dgm:txFillClrLst/>
+    <dgm:txEffectClrLst/>
+  </dgm:styleLbl>
+  <dgm:styleLbl name="node4">
+    <dgm:fillClrLst meth="repeat">
+      <a:schemeClr val="accent1"/>
+    </dgm:fillClrLst>
+    <dgm:linClrLst meth="repeat">
+      <a:schemeClr val="lt1"/>
+    </dgm:linClrLst>
+    <dgm:effectClrLst/>
+    <dgm:txLinClrLst/>
+    <dgm:txFillClrLst/>
+    <dgm:txEffectClrLst/>
+  </dgm:styleLbl>
+  <dgm:styleLbl name="fgImgPlace1">
+    <dgm:fillClrLst meth="repeat">
+      <a:schemeClr val="accent1">
+        <a:tint val="50000"/>
+      </a:schemeClr>
+    </dgm:fillClrLst>
+    <dgm:linClrLst meth="repeat">
+      <a:schemeClr val="lt1"/>
+    </dgm:linClrLst>
+    <dgm:effectClrLst/>
+    <dgm:txLinClrLst/>
+    <dgm:txFillClrLst meth="repeat">
+      <a:schemeClr val="lt1"/>
+    </dgm:txFillClrLst>
+    <dgm:txEffectClrLst/>
+  </dgm:styleLbl>
+  <dgm:styleLbl name="alignImgPlace1">
+    <dgm:fillClrLst meth="repeat">
+      <a:schemeClr val="accent1">
+        <a:tint val="50000"/>
+      </a:schemeClr>
+    </dgm:fillClrLst>
+    <dgm:linClrLst meth="repeat">
+      <a:schemeClr val="lt1"/>
+    </dgm:linClrLst>
+    <dgm:effectClrLst/>
+    <dgm:txLinClrLst/>
+    <dgm:txFillClrLst meth="repeat">
+      <a:schemeClr val="lt1"/>
+    </dgm:txFillClrLst>
+    <dgm:txEffectClrLst/>
+  </dgm:styleLbl>
+  <dgm:styleLbl name="bgImgPlace1">
+    <dgm:fillClrLst meth="repeat">
+      <a:schemeClr val="accent1">
+        <a:tint val="50000"/>
+      </a:schemeClr>
+    </dgm:fillClrLst>
+    <dgm:linClrLst meth="repeat">
+      <a:schemeClr val="lt1"/>
+    </dgm:linClrLst>
+    <dgm:effectClrLst/>
+    <dgm:txLinClrLst/>
+    <dgm:txFillClrLst meth="repeat">
+      <a:schemeClr val="lt1"/>
+    </dgm:txFillClrLst>
+    <dgm:txEffectClrLst/>
+  </dgm:styleLbl>
+  <dgm:styleLbl name="sibTrans2D1">
+    <dgm:fillClrLst meth="repeat">
+      <a:schemeClr val="accent1">
+        <a:tint val="60000"/>
+      </a:schemeClr>
+    </dgm:fillClrLst>
+    <dgm:linClrLst meth="repeat">
+      <a:schemeClr val="accent1">
+        <a:tint val="60000"/>
+      </a:schemeClr>
+    </dgm:linClrLst>
+    <dgm:effectClrLst/>
+    <dgm:txLinClrLst/>
+    <dgm:txFillClrLst/>
+    <dgm:txEffectClrLst/>
+  </dgm:styleLbl>
+  <dgm:styleLbl name="fgSibTrans2D1">
+    <dgm:fillClrLst meth="repeat">
+      <a:schemeClr val="accent1">
+        <a:tint val="60000"/>
+      </a:schemeClr>
+    </dgm:fillClrLst>
+    <dgm:linClrLst meth="repeat">
+      <a:schemeClr val="accent1">
+        <a:tint val="60000"/>
+      </a:schemeClr>
+    </dgm:linClrLst>
+    <dgm:effectClrLst/>
+    <dgm:txLinClrLst/>
+    <dgm:txFillClrLst/>
+    <dgm:txEffectClrLst/>
+  </dgm:styleLbl>
+  <dgm:styleLbl name="bgSibTrans2D1">
+    <dgm:fillClrLst meth="repeat">
+      <a:schemeClr val="accent1">
+        <a:tint val="60000"/>
+      </a:schemeClr>
+    </dgm:fillClrLst>
+    <dgm:linClrLst meth="repeat">
+      <a:schemeClr val="accent1">
+        <a:tint val="60000"/>
+      </a:schemeClr>
+    </dgm:linClrLst>
+    <dgm:effectClrLst/>
+    <dgm:txLinClrLst/>
+    <dgm:txFillClrLst/>
+    <dgm:txEffectClrLst/>
+  </dgm:styleLbl>
+  <dgm:styleLbl name="sibTrans1D1">
+    <dgm:fillClrLst meth="repeat">
+      <a:schemeClr val="accent1"/>
+    </dgm:fillClrLst>
+    <dgm:linClrLst meth="repeat">
+      <a:schemeClr val="accent1"/>
+    </dgm:linClrLst>
+    <dgm:effectClrLst/>
+    <dgm:txLinClrLst/>
+    <dgm:txFillClrLst meth="repeat">
+      <a:schemeClr val="tx1"/>
+    </dgm:txFillClrLst>
+    <dgm:txEffectClrLst/>
+  </dgm:styleLbl>
+  <dgm:styleLbl name="callout">
+    <dgm:fillClrLst meth="repeat">
+      <a:schemeClr val="accent1"/>
+    </dgm:fillClrLst>
+    <dgm:linClrLst meth="repeat">
+      <a:schemeClr val="accent1">
+        <a:tint val="50000"/>
+      </a:schemeClr>
+    </dgm:linClrLst>
+    <dgm:effectClrLst/>
+    <dgm:txLinClrLst/>
+    <dgm:txFillClrLst meth="repeat">
+      <a:schemeClr val="tx1"/>
+    </dgm:txFillClrLst>
+    <dgm:txEffectClrLst/>
+  </dgm:styleLbl>
+  <dgm:styleLbl name="asst0">
+    <dgm:fillClrLst meth="repeat">
+      <a:schemeClr val="accent1"/>
+    </dgm:fillClrLst>
+    <dgm:linClrLst meth="repeat">
+      <a:schemeClr val="lt1"/>
+    </dgm:linClrLst>
+    <dgm:effectClrLst/>
+    <dgm:txLinClrLst/>
+    <dgm:txFillClrLst/>
+    <dgm:txEffectClrLst/>
+  </dgm:styleLbl>
+  <dgm:styleLbl name="asst1">
+    <dgm:fillClrLst meth="repeat">
+      <a:schemeClr val="accent1"/>
+    </dgm:fillClrLst>
+    <dgm:linClrLst meth="repeat">
+      <a:schemeClr val="lt1"/>
+    </dgm:linClrLst>
+    <dgm:effectClrLst/>
+    <dgm:txLinClrLst/>
+    <dgm:txFillClrLst/>
+    <dgm:txEffectClrLst/>
+  </dgm:styleLbl>
+  <dgm:styleLbl name="asst2">
+    <dgm:fillClrLst meth="repeat">
+      <a:schemeClr val="accent1"/>
+    </dgm:fillClrLst>
+    <dgm:linClrLst meth="repeat">
+      <a:schemeClr val="lt1"/>
+    </dgm:linClrLst>
+    <dgm:effectClrLst/>
+    <dgm:txLinClrLst/>
+    <dgm:txFillClrLst/>
+    <dgm:txEffectClrLst/>
+  </dgm:styleLbl>
+  <dgm:styleLbl name="asst3">
+    <dgm:fillClrLst meth="repeat">
+      <a:schemeClr val="accent1"/>
+    </dgm:fillClrLst>
+    <dgm:linClrLst meth="repeat">
+      <a:schemeClr val="lt1"/>
+    </dgm:linClrLst>
+    <dgm:effectClrLst/>
+    <dgm:txLinClrLst/>
+    <dgm:txFillClrLst/>
+    <dgm:txEffectClrLst/>
+  </dgm:styleLbl>
+  <dgm:styleLbl name="asst4">
+    <dgm:fillClrLst meth="repeat">
+      <a:schemeClr val="accent1"/>
+    </dgm:fillClrLst>
+    <dgm:linClrLst meth="repeat">
+      <a:schemeClr val="lt1"/>
+    </dgm:linClrLst>
+    <dgm:effectClrLst/>
+    <dgm:txLinClrLst/>
+    <dgm:txFillClrLst/>
+    <dgm:txEffectClrLst/>
+  </dgm:styleLbl>
+  <dgm:styleLbl name="parChTrans2D1">
+    <dgm:fillClrLst meth="repeat">
+      <a:schemeClr val="accent1">
+        <a:tint val="60000"/>
+      </a:schemeClr>
+    </dgm:fillClrLst>
+    <dgm:linClrLst meth="repeat">
+      <a:schemeClr val="accent1">
+        <a:tint val="60000"/>
+      </a:schemeClr>
+    </dgm:linClrLst>
+    <dgm:effectClrLst/>
+    <dgm:txLinClrLst/>
+    <dgm:txFillClrLst meth="repeat">
+      <a:schemeClr val="lt1"/>
+    </dgm:txFillClrLst>
+    <dgm:txEffectClrLst/>
+  </dgm:styleLbl>
+  <dgm:styleLbl name="parChTrans2D2">
+    <dgm:fillClrLst meth="repeat">
+      <a:schemeClr val="accent1"/>
+    </dgm:fillClrLst>
+    <dgm:linClrLst meth="repeat">
+      <a:schemeClr val="accent1"/>
+    </dgm:linClrLst>
+    <dgm:effectClrLst/>
+    <dgm:txLinClrLst/>
+    <dgm:txFillClrLst meth="repeat">
+      <a:schemeClr val="lt1"/>
+    </dgm:txFillClrLst>
+    <dgm:txEffectClrLst/>
+  </dgm:styleLbl>
+  <dgm:styleLbl name="parChTrans2D3">
+    <dgm:fillClrLst meth="repeat">
+      <a:schemeClr val="accent1"/>
+    </dgm:fillClrLst>
+    <dgm:linClrLst meth="repeat">
+      <a:schemeClr val="accent1"/>
+    </dgm:linClrLst>
+    <dgm:effectClrLst/>
+    <dgm:txLinClrLst/>
+    <dgm:txFillClrLst meth="repeat">
+      <a:schemeClr val="lt1"/>
+    </dgm:txFillClrLst>
+    <dgm:txEffectClrLst/>
+  </dgm:styleLbl>
+  <dgm:styleLbl name="parChTrans2D4">
+    <dgm:fillClrLst meth="repeat">
+      <a:schemeClr val="accent1"/>
+    </dgm:fillClrLst>
+    <dgm:linClrLst meth="repeat">
+      <a:schemeClr val="accent1"/>
+    </dgm:linClrLst>
+    <dgm:effectClrLst/>
+    <dgm:txLinClrLst/>
+    <dgm:txFillClrLst meth="repeat">
+      <a:schemeClr val="lt1"/>
+    </dgm:txFillClrLst>
+    <dgm:txEffectClrLst/>
+  </dgm:styleLbl>
+  <dgm:styleLbl name="parChTrans1D1">
+    <dgm:fillClrLst meth="repeat">
+      <a:schemeClr val="accent1"/>
+    </dgm:fillClrLst>
+    <dgm:linClrLst meth="repeat">
+      <a:schemeClr val="accent1">
+        <a:shade val="60000"/>
+      </a:schemeClr>
+    </dgm:linClrLst>
+    <dgm:effectClrLst/>
+    <dgm:txLinClrLst/>
+    <dgm:txFillClrLst meth="repeat">
+      <a:schemeClr val="tx1"/>
+    </dgm:txFillClrLst>
+    <dgm:txEffectClrLst/>
+  </dgm:styleLbl>
+  <dgm:styleLbl name="parChTrans1D2">
+    <dgm:fillClrLst meth="repeat">
+      <a:schemeClr val="accent1"/>
+    </dgm:fillClrLst>
+    <dgm:linClrLst meth="repeat">
+      <a:schemeClr val="accent1">
+        <a:shade val="60000"/>
+      </a:schemeClr>
+    </dgm:linClrLst>
+    <dgm:effectClrLst/>
+    <dgm:txLinClrLst/>
+    <dgm:txFillClrLst meth="repeat">
+      <a:schemeClr val="tx1"/>
+    </dgm:txFillClrLst>
+    <dgm:txEffectClrLst/>
+  </dgm:styleLbl>
+  <dgm:styleLbl name="parChTrans1D3">
+    <dgm:fillClrLst meth="repeat">
+      <a:schemeClr val="accent1"/>
+    </dgm:fillClrLst>
+    <dgm:linClrLst meth="repeat">
+      <a:schemeClr val="accent1">
+        <a:shade val="80000"/>
+      </a:schemeClr>
+    </dgm:linClrLst>
+    <dgm:effectClrLst/>
+    <dgm:txLinClrLst/>
+    <dgm:txFillClrLst meth="repeat">
+      <a:schemeClr val="tx1"/>
+    </dgm:txFillClrLst>
+    <dgm:txEffectClrLst/>
+  </dgm:styleLbl>
+  <dgm:styleLbl name="parChTrans1D4">
+    <dgm:fillClrLst meth="repeat">
+      <a:schemeClr val="accent1"/>
+    </dgm:fillClrLst>
+    <dgm:linClrLst meth="repeat">
+      <a:schemeClr val="accent1">
+        <a:shade val="80000"/>
+      </a:schemeClr>
+    </dgm:linClrLst>
+    <dgm:effectClrLst/>
+    <dgm:txLinClrLst/>
+    <dgm:txFillClrLst meth="repeat">
+      <a:schemeClr val="tx1"/>
+    </dgm:txFillClrLst>
+    <dgm:txEffectClrLst/>
+  </dgm:styleLbl>
+  <dgm:styleLbl name="fgAcc1">
+    <dgm:fillClrLst meth="repeat">
+      <a:schemeClr val="lt1">
+        <a:alpha val="90000"/>
+      </a:schemeClr>
+    </dgm:fillClrLst>
+    <dgm:linClrLst meth="repeat">
+      <a:schemeClr val="accent1"/>
+    </dgm:linClrLst>
+    <dgm:effectClrLst/>
+    <dgm:txLinClrLst/>
+    <dgm:txFillClrLst meth="repeat">
+      <a:schemeClr val="dk1"/>
+    </dgm:txFillClrLst>
+    <dgm:txEffectClrLst/>
+  </dgm:styleLbl>
+  <dgm:styleLbl name="conFgAcc1">
+    <dgm:fillClrLst meth="repeat">
+      <a:schemeClr val="lt1">
+        <a:alpha val="90000"/>
+      </a:schemeClr>
+    </dgm:fillClrLst>
+    <dgm:linClrLst meth="repeat">
+      <a:schemeClr val="accent1"/>
+    </dgm:linClrLst>
+    <dgm:effectClrLst/>
+    <dgm:txLinClrLst/>
+    <dgm:txFillClrLst meth="repeat">
+      <a:schemeClr val="dk1"/>
+    </dgm:txFillClrLst>
+    <dgm:txEffectClrLst/>
+  </dgm:styleLbl>
+  <dgm:styleLbl name="alignAcc1">
+    <dgm:fillClrLst meth="repeat">
+      <a:schemeClr val="lt1">
+        <a:alpha val="90000"/>
+      </a:schemeClr>
+    </dgm:fillClrLst>
+    <dgm:linClrLst meth="repeat">
+      <a:schemeClr val="accent1"/>
+    </dgm:linClrLst>
+    <dgm:effectClrLst/>
+    <dgm:txLinClrLst/>
+    <dgm:txFillClrLst meth="repeat">
+      <a:schemeClr val="dk1"/>
+    </dgm:txFillClrLst>
+    <dgm:txEffectClrLst/>
+  </dgm:styleLbl>
+  <dgm:styleLbl name="trAlignAcc1">
+    <dgm:fillClrLst meth="repeat">
+      <a:schemeClr val="lt1">
+        <a:alpha val="40000"/>
+      </a:schemeClr>
+    </dgm:fillClrLst>
+    <dgm:linClrLst meth="repeat">
+      <a:schemeClr val="accent1"/>
+    </dgm:linClrLst>
+    <dgm:effectClrLst/>
+    <dgm:txLinClrLst/>
+    <dgm:txFillClrLst meth="repeat">
+      <a:schemeClr val="dk1"/>
+    </dgm:txFillClrLst>
+    <dgm:txEffectClrLst/>
+  </dgm:styleLbl>
+  <dgm:styleLbl name="bgAcc1">
+    <dgm:fillClrLst meth="repeat">
+      <a:schemeClr val="lt1">
+        <a:alpha val="90000"/>
+      </a:schemeClr>
+    </dgm:fillClrLst>
+    <dgm:linClrLst meth="repeat">
+      <a:schemeClr val="accent1"/>
+    </dgm:linClrLst>
+    <dgm:effectClrLst/>
+    <dgm:txLinClrLst/>
+    <dgm:txFillClrLst meth="repeat">
+      <a:schemeClr val="dk1"/>
+    </dgm:txFillClrLst>
+    <dgm:txEffectClrLst/>
+  </dgm:styleLbl>
+  <dgm:styleLbl name="solidFgAcc1">
+    <dgm:fillClrLst meth="repeat">
+      <a:schemeClr val="lt1"/>
+    </dgm:fillClrLst>
+    <dgm:linClrLst meth="repeat">
+      <a:schemeClr val="accent1"/>
+    </dgm:linClrLst>
+    <dgm:effectClrLst/>
+    <dgm:txLinClrLst/>
+    <dgm:txFillClrLst meth="repeat">
+      <a:schemeClr val="dk1"/>
+    </dgm:txFillClrLst>
+    <dgm:txEffectClrLst/>
+  </dgm:styleLbl>
+  <dgm:styleLbl name="solidAlignAcc1">
+    <dgm:fillClrLst meth="repeat">
+      <a:schemeClr val="lt1"/>
+    </dgm:fillClrLst>
+    <dgm:linClrLst meth="repeat">
+      <a:schemeClr val="accent1"/>
+    </dgm:linClrLst>
+    <dgm:effectClrLst/>
+    <dgm:txLinClrLst/>
+    <dgm:txFillClrLst meth="repeat">
+      <a:schemeClr val="dk1"/>
+    </dgm:txFillClrLst>
+    <dgm:txEffectClrLst/>
+  </dgm:styleLbl>
+  <dgm:styleLbl name="solidBgAcc1">
+    <dgm:fillClrLst meth="repeat">
+      <a:schemeClr val="lt1"/>
+    </dgm:fillClrLst>
+    <dgm:linClrLst meth="repeat">
+      <a:schemeClr val="accent1"/>
+    </dgm:linClrLst>
+    <dgm:effectClrLst/>
+    <dgm:txLinClrLst/>
+    <dgm:txFillClrLst meth="repeat">
+      <a:schemeClr val="dk1"/>
+    </dgm:txFillClrLst>
+    <dgm:txEffectClrLst/>
+  </dgm:styleLbl>
+  <dgm:styleLbl name="fgAccFollowNode1">
+    <dgm:fillClrLst meth="repeat">
+      <a:schemeClr val="accent1">
+        <a:alpha val="90000"/>
+        <a:tint val="40000"/>
+      </a:schemeClr>
+    </dgm:fillClrLst>
+    <dgm:linClrLst meth="repeat">
+      <a:schemeClr val="accent1">
+        <a:alpha val="90000"/>
+        <a:tint val="40000"/>
+      </a:schemeClr>
+    </dgm:linClrLst>
+    <dgm:effectClrLst/>
+    <dgm:txLinClrLst/>
+    <dgm:txFillClrLst meth="repeat">
+      <a:schemeClr val="dk1"/>
+    </dgm:txFillClrLst>
+    <dgm:txEffectClrLst/>
+  </dgm:styleLbl>
+  <dgm:styleLbl name="alignAccFollowNode1">
+    <dgm:fillClrLst meth="repeat">
+      <a:schemeClr val="accent1">
+        <a:alpha val="90000"/>
+        <a:tint val="40000"/>
+      </a:schemeClr>
+    </dgm:fillClrLst>
+    <dgm:linClrLst meth="repeat">
+      <a:schemeClr val="accent1">
+        <a:alpha val="90000"/>
+        <a:tint val="40000"/>
+      </a:schemeClr>
+    </dgm:linClrLst>
+    <dgm:effectClrLst/>
+    <dgm:txLinClrLst/>
+    <dgm:txFillClrLst meth="repeat">
+      <a:schemeClr val="dk1"/>
+    </dgm:txFillClrLst>
+    <dgm:txEffectClrLst/>
+  </dgm:styleLbl>
+  <dgm:styleLbl name="bgAccFollowNode1">
+    <dgm:fillClrLst meth="repeat">
+      <a:schemeClr val="accent1">
+        <a:alpha val="90000"/>
+        <a:tint val="40000"/>
+      </a:schemeClr>
+    </dgm:fillClrLst>
+    <dgm:linClrLst meth="repeat">
+      <a:schemeClr val="accent1">
+        <a:alpha val="90000"/>
+        <a:tint val="40000"/>
+      </a:schemeClr>
+    </dgm:linClrLst>
+    <dgm:effectClrLst/>
+    <dgm:txLinClrLst/>
+    <dgm:txFillClrLst meth="repeat">
+      <a:schemeClr val="dk1"/>
+    </dgm:txFillClrLst>
+    <dgm:txEffectClrLst/>
+  </dgm:styleLbl>
+  <dgm:styleLbl name="fgAcc0">
+    <dgm:fillClrLst meth="repeat">
+      <a:schemeClr val="lt1">
+        <a:alpha val="90000"/>
+      </a:schemeClr>
+    </dgm:fillClrLst>
+    <dgm:linClrLst meth="repeat">
+      <a:schemeClr val="accent1"/>
+    </dgm:linClrLst>
+    <dgm:effectClrLst/>
+    <dgm:txLinClrLst/>
+    <dgm:txFillClrLst meth="repeat">
+      <a:schemeClr val="dk1"/>
+    </dgm:txFillClrLst>
+    <dgm:txEffectClrLst/>
+  </dgm:styleLbl>
+  <dgm:styleLbl name="fgAcc2">
+    <dgm:fillClrLst meth="repeat">
+      <a:schemeClr val="lt1">
+        <a:alpha val="90000"/>
+      </a:schemeClr>
+    </dgm:fillClrLst>
+    <dgm:linClrLst meth="repeat">
+      <a:schemeClr val="accent1"/>
+    </dgm:linClrLst>
+    <dgm:effectClrLst/>
+    <dgm:txLinClrLst/>
+    <dgm:txFillClrLst meth="repeat">
+      <a:schemeClr val="dk1"/>
+    </dgm:txFillClrLst>
+    <dgm:txEffectClrLst/>
+  </dgm:styleLbl>
+  <dgm:styleLbl name="fgAcc3">
+    <dgm:fillClrLst meth="repeat">
+      <a:schemeClr val="lt1">
+        <a:alpha val="90000"/>
+      </a:schemeClr>
+    </dgm:fillClrLst>
+    <dgm:linClrLst meth="repeat">
+      <a:schemeClr val="accent1"/>
+    </dgm:linClrLst>
+    <dgm:effectClrLst/>
+    <dgm:txLinClrLst/>
+    <dgm:txFillClrLst meth="repeat">
+      <a:schemeClr val="dk1"/>
+    </dgm:txFillClrLst>
+    <dgm:txEffectClrLst/>
+  </dgm:styleLbl>
+  <dgm:styleLbl name="fgAcc4">
+    <dgm:fillClrLst meth="repeat">
+      <a:schemeClr val="lt1">
+        <a:alpha val="90000"/>
+      </a:schemeClr>
+    </dgm:fillClrLst>
+    <dgm:linClrLst meth="repeat">
+      <a:schemeClr val="accent1"/>
+    </dgm:linClrLst>
+    <dgm:effectClrLst/>
+    <dgm:txLinClrLst/>
+    <dgm:txFillClrLst meth="repeat">
+      <a:schemeClr val="dk1"/>
+    </dgm:txFillClrLst>
+    <dgm:txEffectClrLst/>
+  </dgm:styleLbl>
+  <dgm:styleLbl name="bgShp">
+    <dgm:fillClrLst meth="repeat">
+      <a:schemeClr val="accent1">
+        <a:tint val="40000"/>
+      </a:schemeClr>
+    </dgm:fillClrLst>
+    <dgm:linClrLst meth="repeat">
+      <a:schemeClr val="accent1"/>
+    </dgm:linClrLst>
+    <dgm:effectClrLst/>
+    <dgm:txLinClrLst/>
+    <dgm:txFillClrLst meth="repeat">
+      <a:schemeClr val="dk1"/>
+    </dgm:txFillClrLst>
+    <dgm:txEffectClrLst/>
+  </dgm:styleLbl>
+  <dgm:styleLbl name="dkBgShp">
+    <dgm:fillClrLst meth="repeat">
+      <a:schemeClr val="accent1">
+        <a:shade val="80000"/>
+      </a:schemeClr>
+    </dgm:fillClrLst>
+    <dgm:linClrLst meth="repeat">
+      <a:schemeClr val="accent1"/>
+    </dgm:linClrLst>
+    <dgm:effectClrLst/>
+    <dgm:txLinClrLst/>
+    <dgm:txFillClrLst meth="repeat">
+      <a:schemeClr val="lt1"/>
+    </dgm:txFillClrLst>
+    <dgm:txEffectClrLst/>
+  </dgm:styleLbl>
+  <dgm:styleLbl name="trBgShp">
+    <dgm:fillClrLst meth="repeat">
+      <a:schemeClr val="accent1">
+        <a:tint val="50000"/>
+        <a:alpha val="40000"/>
+      </a:schemeClr>
+    </dgm:fillClrLst>
+    <dgm:linClrLst meth="repeat">
+      <a:schemeClr val="accent1"/>
+    </dgm:linClrLst>
+    <dgm:effectClrLst/>
+    <dgm:txLinClrLst/>
+    <dgm:txFillClrLst meth="repeat">
+      <a:schemeClr val="lt1"/>
+    </dgm:txFillClrLst>
+    <dgm:txEffectClrLst/>
+  </dgm:styleLbl>
+  <dgm:styleLbl name="fgShp">
+    <dgm:fillClrLst meth="repeat">
+      <a:schemeClr val="accent1">
+        <a:tint val="60000"/>
+      </a:schemeClr>
+    </dgm:fillClrLst>
+    <dgm:linClrLst meth="repeat">
+      <a:schemeClr val="lt1"/>
+    </dgm:linClrLst>
+    <dgm:effectClrLst/>
+    <dgm:txLinClrLst/>
+    <dgm:txFillClrLst meth="repeat">
+      <a:schemeClr val="dk1"/>
+    </dgm:txFillClrLst>
+    <dgm:txEffectClrLst/>
+  </dgm:styleLbl>
+  <dgm:styleLbl name="revTx">
+    <dgm:fillClrLst meth="repeat">
+      <a:schemeClr val="lt1">
+        <a:alpha val="0"/>
+      </a:schemeClr>
+    </dgm:fillClrLst>
+    <dgm:linClrLst meth="repeat">
+      <a:schemeClr val="dk1">
+        <a:alpha val="0"/>
+      </a:schemeClr>
+    </dgm:linClrLst>
+    <dgm:effectClrLst/>
+    <dgm:txLinClrLst/>
+    <dgm:txFillClrLst meth="repeat">
+      <a:schemeClr val="tx1"/>
+    </dgm:txFillClrLst>
+    <dgm:txEffectClrLst/>
+  </dgm:styleLbl>
+</dgm:colorsDef>
+</file>
+
+<file path=ppt/diagrams/data1.xml><?xml version="1.0" encoding="utf-8"?>
+<dgm:dataModel xmlns:dgm="http://schemas.openxmlformats.org/drawingml/2006/diagram" xmlns:a="http://schemas.openxmlformats.org/drawingml/2006/main">
+  <dgm:ptLst>
+    <dgm:pt modelId="{58F8C4A0-F517-4570-87DF-539FDC5AA511}" type="doc">
+      <dgm:prSet loTypeId="urn:microsoft.com/office/officeart/2018/2/layout/IconLabelList" loCatId="icon" qsTypeId="urn:microsoft.com/office/officeart/2005/8/quickstyle/simple1" qsCatId="simple" csTypeId="urn:microsoft.com/office/officeart/2005/8/colors/accent1_2" csCatId="accent1" phldr="1"/>
+      <dgm:spPr/>
+      <dgm:t>
+        <a:bodyPr/>
+        <a:lstStyle/>
+        <a:p>
+          <a:endParaRPr lang="en-US"/>
+        </a:p>
+      </dgm:t>
+    </dgm:pt>
+    <dgm:pt modelId="{C761510C-FF13-4B16-9C95-D3ABB457B426}">
+      <dgm:prSet custT="1"/>
+      <dgm:spPr/>
+      <dgm:t>
+        <a:bodyPr/>
+        <a:lstStyle/>
+        <a:p>
+          <a:pPr>
+            <a:lnSpc>
+              <a:spcPct val="100000"/>
+            </a:lnSpc>
+          </a:pPr>
+          <a:r>
+            <a:rPr lang="en-US" sz="1600" b="1" dirty="0"/>
+            <a:t>Definition</a:t>
+          </a:r>
+          <a:r>
+            <a:rPr lang="en-US" sz="1600" dirty="0"/>
+            <a:t>: STP is Software Test Planning.</a:t>
+          </a:r>
+        </a:p>
+      </dgm:t>
+    </dgm:pt>
+    <dgm:pt modelId="{74CE61C4-645C-433A-B34F-2E951F31407B}" type="parTrans" cxnId="{45CD9E84-2908-459E-BBC0-BC27D98D0F6D}">
+      <dgm:prSet/>
+      <dgm:spPr/>
+      <dgm:t>
+        <a:bodyPr/>
+        <a:lstStyle/>
+        <a:p>
+          <a:endParaRPr lang="en-US"/>
+        </a:p>
+      </dgm:t>
+    </dgm:pt>
+    <dgm:pt modelId="{46954FB7-1B1E-44D0-AEAC-1B1BA4C0B84C}" type="sibTrans" cxnId="{45CD9E84-2908-459E-BBC0-BC27D98D0F6D}">
+      <dgm:prSet/>
+      <dgm:spPr/>
+      <dgm:t>
+        <a:bodyPr/>
+        <a:lstStyle/>
+        <a:p>
+          <a:endParaRPr lang="en-US"/>
+        </a:p>
+      </dgm:t>
+    </dgm:pt>
+    <dgm:pt modelId="{1D525A83-F1C2-4E83-A035-23A88A287D83}">
+      <dgm:prSet custT="1"/>
+      <dgm:spPr/>
+      <dgm:t>
+        <a:bodyPr/>
+        <a:lstStyle/>
+        <a:p>
+          <a:pPr>
+            <a:lnSpc>
+              <a:spcPct val="100000"/>
+            </a:lnSpc>
+          </a:pPr>
+          <a:r>
+            <a:rPr lang="en-US" sz="1600" b="1" dirty="0"/>
+            <a:t>Objectives</a:t>
+          </a:r>
+          <a:r>
+            <a:rPr lang="en-US" sz="1600" dirty="0"/>
+            <a:t>: Defines testing goals and ensures software reliability.</a:t>
+          </a:r>
+        </a:p>
+      </dgm:t>
+    </dgm:pt>
+    <dgm:pt modelId="{CF5332B1-21DC-454A-B96F-A6CC1EA30CA7}" type="parTrans" cxnId="{FE9FF4D0-5834-46F9-B30B-533375A2FD16}">
+      <dgm:prSet/>
+      <dgm:spPr/>
+      <dgm:t>
+        <a:bodyPr/>
+        <a:lstStyle/>
+        <a:p>
+          <a:endParaRPr lang="en-US"/>
+        </a:p>
+      </dgm:t>
+    </dgm:pt>
+    <dgm:pt modelId="{94598A88-546E-4193-BD59-92A9C3E92E18}" type="sibTrans" cxnId="{FE9FF4D0-5834-46F9-B30B-533375A2FD16}">
+      <dgm:prSet/>
+      <dgm:spPr/>
+      <dgm:t>
+        <a:bodyPr/>
+        <a:lstStyle/>
+        <a:p>
+          <a:endParaRPr lang="en-US"/>
+        </a:p>
+      </dgm:t>
+    </dgm:pt>
+    <dgm:pt modelId="{6BFBBF0C-85ED-47A4-8E55-AB279EFD1DF8}">
+      <dgm:prSet custT="1"/>
+      <dgm:spPr/>
+      <dgm:t>
+        <a:bodyPr/>
+        <a:lstStyle/>
+        <a:p>
+          <a:pPr>
+            <a:lnSpc>
+              <a:spcPct val="100000"/>
+            </a:lnSpc>
+          </a:pPr>
+          <a:r>
+            <a:rPr lang="en-US" sz="1600" b="1" dirty="0"/>
+            <a:t>Scope</a:t>
+          </a:r>
+          <a:r>
+            <a:rPr lang="en-US" sz="1600" dirty="0"/>
+            <a:t>: Details what features to test and success criteria.</a:t>
+          </a:r>
+        </a:p>
+      </dgm:t>
+    </dgm:pt>
+    <dgm:pt modelId="{36205BA0-97E5-48F4-A235-7B97FF0CC14A}" type="parTrans" cxnId="{846B7610-137A-4D13-9D7F-7C5AB57359F6}">
+      <dgm:prSet/>
+      <dgm:spPr/>
+      <dgm:t>
+        <a:bodyPr/>
+        <a:lstStyle/>
+        <a:p>
+          <a:endParaRPr lang="en-US"/>
+        </a:p>
+      </dgm:t>
+    </dgm:pt>
+    <dgm:pt modelId="{E830E16E-EBD7-4156-8669-1B94FF747171}" type="sibTrans" cxnId="{846B7610-137A-4D13-9D7F-7C5AB57359F6}">
+      <dgm:prSet/>
+      <dgm:spPr/>
+      <dgm:t>
+        <a:bodyPr/>
+        <a:lstStyle/>
+        <a:p>
+          <a:endParaRPr lang="en-US"/>
+        </a:p>
+      </dgm:t>
+    </dgm:pt>
+    <dgm:pt modelId="{7631A97F-D1CE-493E-B828-4188DEA004E9}">
+      <dgm:prSet custT="1"/>
+      <dgm:spPr/>
+      <dgm:t>
+        <a:bodyPr/>
+        <a:lstStyle/>
+        <a:p>
+          <a:pPr>
+            <a:lnSpc>
+              <a:spcPct val="100000"/>
+            </a:lnSpc>
+          </a:pPr>
+          <a:r>
+            <a:rPr lang="en-US" sz="1600" b="1" dirty="0"/>
+            <a:t>Resources</a:t>
+          </a:r>
+          <a:r>
+            <a:rPr lang="en-US" sz="1600" dirty="0"/>
+            <a:t>: Lists required resources and assigns responsibilities.</a:t>
+          </a:r>
+        </a:p>
+      </dgm:t>
+    </dgm:pt>
+    <dgm:pt modelId="{D40320C9-F905-40E8-97E8-907E5075E66D}" type="parTrans" cxnId="{F5F24709-9A54-4E04-B1DE-BB7D0C28A319}">
+      <dgm:prSet/>
+      <dgm:spPr/>
+      <dgm:t>
+        <a:bodyPr/>
+        <a:lstStyle/>
+        <a:p>
+          <a:endParaRPr lang="en-US"/>
+        </a:p>
+      </dgm:t>
+    </dgm:pt>
+    <dgm:pt modelId="{6A1191F4-DEEB-45E6-8C41-AF004C6011F0}" type="sibTrans" cxnId="{F5F24709-9A54-4E04-B1DE-BB7D0C28A319}">
+      <dgm:prSet/>
+      <dgm:spPr/>
+      <dgm:t>
+        <a:bodyPr/>
+        <a:lstStyle/>
+        <a:p>
+          <a:endParaRPr lang="en-US"/>
+        </a:p>
+      </dgm:t>
+    </dgm:pt>
+    <dgm:pt modelId="{0E22CB97-E56D-452E-A115-164ACCAF96EF}">
+      <dgm:prSet custT="1"/>
+      <dgm:spPr/>
+      <dgm:t>
+        <a:bodyPr/>
+        <a:lstStyle/>
+        <a:p>
+          <a:pPr>
+            <a:lnSpc>
+              <a:spcPct val="100000"/>
+            </a:lnSpc>
+          </a:pPr>
+          <a:r>
+            <a:rPr lang="en-US" sz="1600" b="1" dirty="0"/>
+            <a:t>Schedule</a:t>
+          </a:r>
+          <a:r>
+            <a:rPr lang="en-US" sz="1600" dirty="0"/>
+            <a:t>: Provides a timeline with milestones and deadlines.</a:t>
+          </a:r>
+        </a:p>
+      </dgm:t>
+    </dgm:pt>
+    <dgm:pt modelId="{FE138867-350B-48EA-83EF-3A6B7F811DDE}" type="parTrans" cxnId="{6E9CF394-9734-4932-AF04-E93FE6DEB137}">
+      <dgm:prSet/>
+      <dgm:spPr/>
+      <dgm:t>
+        <a:bodyPr/>
+        <a:lstStyle/>
+        <a:p>
+          <a:endParaRPr lang="en-US"/>
+        </a:p>
+      </dgm:t>
+    </dgm:pt>
+    <dgm:pt modelId="{97575447-3160-43AF-B69E-3B2D0EECCEA0}" type="sibTrans" cxnId="{6E9CF394-9734-4932-AF04-E93FE6DEB137}">
+      <dgm:prSet/>
+      <dgm:spPr/>
+      <dgm:t>
+        <a:bodyPr/>
+        <a:lstStyle/>
+        <a:p>
+          <a:endParaRPr lang="en-US"/>
+        </a:p>
+      </dgm:t>
+    </dgm:pt>
+    <dgm:pt modelId="{EAB6B8F6-890C-494A-9809-219DB3B2ADDA}" type="pres">
+      <dgm:prSet presAssocID="{58F8C4A0-F517-4570-87DF-539FDC5AA511}" presName="root" presStyleCnt="0">
+        <dgm:presLayoutVars>
+          <dgm:dir/>
+          <dgm:resizeHandles val="exact"/>
+        </dgm:presLayoutVars>
+      </dgm:prSet>
+      <dgm:spPr/>
+    </dgm:pt>
+    <dgm:pt modelId="{8FB4EF9F-0718-4D48-B094-929EC8125B59}" type="pres">
+      <dgm:prSet presAssocID="{C761510C-FF13-4B16-9C95-D3ABB457B426}" presName="compNode" presStyleCnt="0"/>
+      <dgm:spPr/>
+    </dgm:pt>
+    <dgm:pt modelId="{F7B4BC3E-BF55-48AC-BFC6-209174F6F4A5}" type="pres">
+      <dgm:prSet presAssocID="{C761510C-FF13-4B16-9C95-D3ABB457B426}" presName="iconRect" presStyleLbl="node1" presStyleIdx="0" presStyleCnt="5"/>
+      <dgm:spPr>
+        <a:blipFill>
+          <a:blip xmlns:r="http://schemas.openxmlformats.org/officeDocument/2006/relationships" r:embed="rId1">
+            <a:extLst>
+              <a:ext uri="{28A0092B-C50C-407E-A947-70E740481C1C}">
+                <a14:useLocalDpi xmlns:a14="http://schemas.microsoft.com/office/drawing/2010/main" val="0"/>
+              </a:ext>
+              <a:ext uri="{96DAC541-7B7A-43D3-8B79-37D633B846F1}">
+                <asvg:svgBlip xmlns:asvg="http://schemas.microsoft.com/office/drawing/2016/SVG/main" r:embed="rId2"/>
+              </a:ext>
+            </a:extLst>
+          </a:blip>
+          <a:stretch>
+            <a:fillRect/>
+          </a:stretch>
+        </a:blipFill>
+      </dgm:spPr>
+      <dgm:extLst>
+        <a:ext uri="{E40237B7-FDA0-4F09-8148-C483321AD2D9}">
+          <dgm14:cNvPr xmlns:dgm14="http://schemas.microsoft.com/office/drawing/2010/diagram" id="0" name="" descr="גלגלי שיניים"/>
+        </a:ext>
+      </dgm:extLst>
+    </dgm:pt>
+    <dgm:pt modelId="{908FFBA1-CD57-4E28-B321-2EE0AB75E4F5}" type="pres">
+      <dgm:prSet presAssocID="{C761510C-FF13-4B16-9C95-D3ABB457B426}" presName="spaceRect" presStyleCnt="0"/>
+      <dgm:spPr/>
+    </dgm:pt>
+    <dgm:pt modelId="{4FA1D817-7284-4AB6-A4BB-31EC7F4F284E}" type="pres">
+      <dgm:prSet presAssocID="{C761510C-FF13-4B16-9C95-D3ABB457B426}" presName="textRect" presStyleLbl="revTx" presStyleIdx="0" presStyleCnt="5">
+        <dgm:presLayoutVars>
+          <dgm:chMax val="1"/>
+          <dgm:chPref val="1"/>
+        </dgm:presLayoutVars>
+      </dgm:prSet>
+      <dgm:spPr/>
+    </dgm:pt>
+    <dgm:pt modelId="{E782E5D9-40E9-46A0-ADC0-C94686030891}" type="pres">
+      <dgm:prSet presAssocID="{46954FB7-1B1E-44D0-AEAC-1B1BA4C0B84C}" presName="sibTrans" presStyleCnt="0"/>
+      <dgm:spPr/>
+    </dgm:pt>
+    <dgm:pt modelId="{60C8113E-D2BF-4C4F-ACDA-72E3EDEA7349}" type="pres">
+      <dgm:prSet presAssocID="{1D525A83-F1C2-4E83-A035-23A88A287D83}" presName="compNode" presStyleCnt="0"/>
+      <dgm:spPr/>
+    </dgm:pt>
+    <dgm:pt modelId="{DE425EBA-4614-4D1F-81B7-05C4504332AF}" type="pres">
+      <dgm:prSet presAssocID="{1D525A83-F1C2-4E83-A035-23A88A287D83}" presName="iconRect" presStyleLbl="node1" presStyleIdx="1" presStyleCnt="5"/>
+      <dgm:spPr>
+        <a:blipFill>
+          <a:blip xmlns:r="http://schemas.openxmlformats.org/officeDocument/2006/relationships" r:embed="rId3">
+            <a:extLst>
+              <a:ext uri="{28A0092B-C50C-407E-A947-70E740481C1C}">
+                <a14:useLocalDpi xmlns:a14="http://schemas.microsoft.com/office/drawing/2010/main" val="0"/>
+              </a:ext>
+              <a:ext uri="{96DAC541-7B7A-43D3-8B79-37D633B846F1}">
+                <asvg:svgBlip xmlns:asvg="http://schemas.microsoft.com/office/drawing/2016/SVG/main" r:embed="rId4"/>
+              </a:ext>
+            </a:extLst>
+          </a:blip>
+          <a:stretch>
+            <a:fillRect/>
+          </a:stretch>
+        </a:blipFill>
+      </dgm:spPr>
+      <dgm:extLst>
+        <a:ext uri="{E40237B7-FDA0-4F09-8148-C483321AD2D9}">
+          <dgm14:cNvPr xmlns:dgm14="http://schemas.microsoft.com/office/drawing/2010/diagram" id="0" name="" descr="פגיעה במטרה"/>
+        </a:ext>
+      </dgm:extLst>
+    </dgm:pt>
+    <dgm:pt modelId="{9521DFA3-8BC6-447D-962B-39FB4FABEF8F}" type="pres">
+      <dgm:prSet presAssocID="{1D525A83-F1C2-4E83-A035-23A88A287D83}" presName="spaceRect" presStyleCnt="0"/>
+      <dgm:spPr/>
+    </dgm:pt>
+    <dgm:pt modelId="{73B211A9-961D-4ECC-8299-0F242D91F07D}" type="pres">
+      <dgm:prSet presAssocID="{1D525A83-F1C2-4E83-A035-23A88A287D83}" presName="textRect" presStyleLbl="revTx" presStyleIdx="1" presStyleCnt="5">
+        <dgm:presLayoutVars>
+          <dgm:chMax val="1"/>
+          <dgm:chPref val="1"/>
+        </dgm:presLayoutVars>
+      </dgm:prSet>
+      <dgm:spPr/>
+    </dgm:pt>
+    <dgm:pt modelId="{0809D9BD-C99E-4DFE-9997-C24C941D398B}" type="pres">
+      <dgm:prSet presAssocID="{94598A88-546E-4193-BD59-92A9C3E92E18}" presName="sibTrans" presStyleCnt="0"/>
+      <dgm:spPr/>
+    </dgm:pt>
+    <dgm:pt modelId="{18C49926-0B2B-4874-BA30-E20C24DB0802}" type="pres">
+      <dgm:prSet presAssocID="{6BFBBF0C-85ED-47A4-8E55-AB279EFD1DF8}" presName="compNode" presStyleCnt="0"/>
+      <dgm:spPr/>
+    </dgm:pt>
+    <dgm:pt modelId="{7A76AD9D-6145-4D05-A8ED-31CFCF9A0CE3}" type="pres">
+      <dgm:prSet presAssocID="{6BFBBF0C-85ED-47A4-8E55-AB279EFD1DF8}" presName="iconRect" presStyleLbl="node1" presStyleIdx="2" presStyleCnt="5"/>
+      <dgm:spPr>
+        <a:blipFill>
+          <a:blip xmlns:r="http://schemas.openxmlformats.org/officeDocument/2006/relationships" r:embed="rId5">
+            <a:extLst>
+              <a:ext uri="{28A0092B-C50C-407E-A947-70E740481C1C}">
+                <a14:useLocalDpi xmlns:a14="http://schemas.microsoft.com/office/drawing/2010/main" val="0"/>
+              </a:ext>
+              <a:ext uri="{96DAC541-7B7A-43D3-8B79-37D633B846F1}">
+                <asvg:svgBlip xmlns:asvg="http://schemas.microsoft.com/office/drawing/2016/SVG/main" r:embed="rId6"/>
+              </a:ext>
+            </a:extLst>
+          </a:blip>
+          <a:stretch>
+            <a:fillRect/>
+          </a:stretch>
+        </a:blipFill>
+      </dgm:spPr>
+      <dgm:extLst>
+        <a:ext uri="{E40237B7-FDA0-4F09-8148-C483321AD2D9}">
+          <dgm14:cNvPr xmlns:dgm14="http://schemas.microsoft.com/office/drawing/2010/diagram" id="0" name="" descr="סימן ביקורת"/>
+        </a:ext>
+      </dgm:extLst>
+    </dgm:pt>
+    <dgm:pt modelId="{B174DA77-905F-47B4-8B11-4B0C6A353889}" type="pres">
+      <dgm:prSet presAssocID="{6BFBBF0C-85ED-47A4-8E55-AB279EFD1DF8}" presName="spaceRect" presStyleCnt="0"/>
+      <dgm:spPr/>
+    </dgm:pt>
+    <dgm:pt modelId="{3872B5C0-C915-47F2-AA8C-BAC9364AD8FB}" type="pres">
+      <dgm:prSet presAssocID="{6BFBBF0C-85ED-47A4-8E55-AB279EFD1DF8}" presName="textRect" presStyleLbl="revTx" presStyleIdx="2" presStyleCnt="5">
+        <dgm:presLayoutVars>
+          <dgm:chMax val="1"/>
+          <dgm:chPref val="1"/>
+        </dgm:presLayoutVars>
+      </dgm:prSet>
+      <dgm:spPr/>
+    </dgm:pt>
+    <dgm:pt modelId="{3A188E67-13CC-4B11-B6F7-66EC6F2EAF2A}" type="pres">
+      <dgm:prSet presAssocID="{E830E16E-EBD7-4156-8669-1B94FF747171}" presName="sibTrans" presStyleCnt="0"/>
+      <dgm:spPr/>
+    </dgm:pt>
+    <dgm:pt modelId="{C72473DF-7146-4402-BAFE-44564AE62AF2}" type="pres">
+      <dgm:prSet presAssocID="{7631A97F-D1CE-493E-B828-4188DEA004E9}" presName="compNode" presStyleCnt="0"/>
+      <dgm:spPr/>
+    </dgm:pt>
+    <dgm:pt modelId="{67156D3B-0271-4222-95D2-165EC8DAEFDB}" type="pres">
+      <dgm:prSet presAssocID="{7631A97F-D1CE-493E-B828-4188DEA004E9}" presName="iconRect" presStyleLbl="node1" presStyleIdx="3" presStyleCnt="5"/>
+      <dgm:spPr>
+        <a:blipFill>
+          <a:blip xmlns:r="http://schemas.openxmlformats.org/officeDocument/2006/relationships" r:embed="rId7">
+            <a:extLst>
+              <a:ext uri="{28A0092B-C50C-407E-A947-70E740481C1C}">
+                <a14:useLocalDpi xmlns:a14="http://schemas.microsoft.com/office/drawing/2010/main" val="0"/>
+              </a:ext>
+              <a:ext uri="{96DAC541-7B7A-43D3-8B79-37D633B846F1}">
+                <asvg:svgBlip xmlns:asvg="http://schemas.microsoft.com/office/drawing/2016/SVG/main" r:embed="rId8"/>
+              </a:ext>
+            </a:extLst>
+          </a:blip>
+          <a:stretch>
+            <a:fillRect/>
+          </a:stretch>
+        </a:blipFill>
+      </dgm:spPr>
+      <dgm:extLst>
+        <a:ext uri="{E40237B7-FDA0-4F09-8148-C483321AD2D9}">
+          <dgm14:cNvPr xmlns:dgm14="http://schemas.microsoft.com/office/drawing/2010/diagram" id="0" name="" descr="Open Folder"/>
+        </a:ext>
+      </dgm:extLst>
+    </dgm:pt>
+    <dgm:pt modelId="{837EEB60-00E2-47D1-804B-0126A484CEE4}" type="pres">
+      <dgm:prSet presAssocID="{7631A97F-D1CE-493E-B828-4188DEA004E9}" presName="spaceRect" presStyleCnt="0"/>
+      <dgm:spPr/>
+    </dgm:pt>
+    <dgm:pt modelId="{5F41AAFA-64E4-4681-AE9D-8616145C3B77}" type="pres">
+      <dgm:prSet presAssocID="{7631A97F-D1CE-493E-B828-4188DEA004E9}" presName="textRect" presStyleLbl="revTx" presStyleIdx="3" presStyleCnt="5">
+        <dgm:presLayoutVars>
+          <dgm:chMax val="1"/>
+          <dgm:chPref val="1"/>
+        </dgm:presLayoutVars>
+      </dgm:prSet>
+      <dgm:spPr/>
+    </dgm:pt>
+    <dgm:pt modelId="{C4F97398-7968-4F62-AD90-68857C58542E}" type="pres">
+      <dgm:prSet presAssocID="{6A1191F4-DEEB-45E6-8C41-AF004C6011F0}" presName="sibTrans" presStyleCnt="0"/>
+      <dgm:spPr/>
+    </dgm:pt>
+    <dgm:pt modelId="{141586B8-CED2-4408-BE76-762F5338010C}" type="pres">
+      <dgm:prSet presAssocID="{0E22CB97-E56D-452E-A115-164ACCAF96EF}" presName="compNode" presStyleCnt="0"/>
+      <dgm:spPr/>
+    </dgm:pt>
+    <dgm:pt modelId="{7B468DE1-9AF0-4FAA-AE42-3825E251B027}" type="pres">
+      <dgm:prSet presAssocID="{0E22CB97-E56D-452E-A115-164ACCAF96EF}" presName="iconRect" presStyleLbl="node1" presStyleIdx="4" presStyleCnt="5"/>
+      <dgm:spPr>
+        <a:blipFill>
+          <a:blip xmlns:r="http://schemas.openxmlformats.org/officeDocument/2006/relationships" r:embed="rId9">
+            <a:extLst>
+              <a:ext uri="{28A0092B-C50C-407E-A947-70E740481C1C}">
+                <a14:useLocalDpi xmlns:a14="http://schemas.microsoft.com/office/drawing/2010/main" val="0"/>
+              </a:ext>
+              <a:ext uri="{96DAC541-7B7A-43D3-8B79-37D633B846F1}">
+                <asvg:svgBlip xmlns:asvg="http://schemas.microsoft.com/office/drawing/2016/SVG/main" r:embed="rId10"/>
+              </a:ext>
+            </a:extLst>
+          </a:blip>
+          <a:stretch>
+            <a:fillRect/>
+          </a:stretch>
+        </a:blipFill>
+      </dgm:spPr>
+      <dgm:extLst>
+        <a:ext uri="{E40237B7-FDA0-4F09-8148-C483321AD2D9}">
+          <dgm14:cNvPr xmlns:dgm14="http://schemas.microsoft.com/office/drawing/2010/diagram" id="0" name="" descr="Monthly calendar"/>
+        </a:ext>
+      </dgm:extLst>
+    </dgm:pt>
+    <dgm:pt modelId="{6998B8E6-FB3B-4C8F-A7CC-3242EC3F9B6E}" type="pres">
+      <dgm:prSet presAssocID="{0E22CB97-E56D-452E-A115-164ACCAF96EF}" presName="spaceRect" presStyleCnt="0"/>
+      <dgm:spPr/>
+    </dgm:pt>
+    <dgm:pt modelId="{766D13D4-83BC-4041-832D-6530F83A7EEA}" type="pres">
+      <dgm:prSet presAssocID="{0E22CB97-E56D-452E-A115-164ACCAF96EF}" presName="textRect" presStyleLbl="revTx" presStyleIdx="4" presStyleCnt="5">
+        <dgm:presLayoutVars>
+          <dgm:chMax val="1"/>
+          <dgm:chPref val="1"/>
+        </dgm:presLayoutVars>
+      </dgm:prSet>
+      <dgm:spPr/>
+    </dgm:pt>
+  </dgm:ptLst>
+  <dgm:cxnLst>
+    <dgm:cxn modelId="{F5F24709-9A54-4E04-B1DE-BB7D0C28A319}" srcId="{58F8C4A0-F517-4570-87DF-539FDC5AA511}" destId="{7631A97F-D1CE-493E-B828-4188DEA004E9}" srcOrd="3" destOrd="0" parTransId="{D40320C9-F905-40E8-97E8-907E5075E66D}" sibTransId="{6A1191F4-DEEB-45E6-8C41-AF004C6011F0}"/>
+    <dgm:cxn modelId="{846B7610-137A-4D13-9D7F-7C5AB57359F6}" srcId="{58F8C4A0-F517-4570-87DF-539FDC5AA511}" destId="{6BFBBF0C-85ED-47A4-8E55-AB279EFD1DF8}" srcOrd="2" destOrd="0" parTransId="{36205BA0-97E5-48F4-A235-7B97FF0CC14A}" sibTransId="{E830E16E-EBD7-4156-8669-1B94FF747171}"/>
+    <dgm:cxn modelId="{EC9A3E19-7D95-42CC-AA50-5F065BD383E0}" type="presOf" srcId="{1D525A83-F1C2-4E83-A035-23A88A287D83}" destId="{73B211A9-961D-4ECC-8299-0F242D91F07D}" srcOrd="0" destOrd="0" presId="urn:microsoft.com/office/officeart/2018/2/layout/IconLabelList"/>
+    <dgm:cxn modelId="{E59CEF27-1187-49F9-90E9-02424FDCCD5E}" type="presOf" srcId="{0E22CB97-E56D-452E-A115-164ACCAF96EF}" destId="{766D13D4-83BC-4041-832D-6530F83A7EEA}" srcOrd="0" destOrd="0" presId="urn:microsoft.com/office/officeart/2018/2/layout/IconLabelList"/>
+    <dgm:cxn modelId="{802A3D63-6102-413D-8B72-93FA5CA777F4}" type="presOf" srcId="{7631A97F-D1CE-493E-B828-4188DEA004E9}" destId="{5F41AAFA-64E4-4681-AE9D-8616145C3B77}" srcOrd="0" destOrd="0" presId="urn:microsoft.com/office/officeart/2018/2/layout/IconLabelList"/>
+    <dgm:cxn modelId="{831E0C80-4DE0-47B5-813C-B2F3B29E63CD}" type="presOf" srcId="{C761510C-FF13-4B16-9C95-D3ABB457B426}" destId="{4FA1D817-7284-4AB6-A4BB-31EC7F4F284E}" srcOrd="0" destOrd="0" presId="urn:microsoft.com/office/officeart/2018/2/layout/IconLabelList"/>
+    <dgm:cxn modelId="{45CD9E84-2908-459E-BBC0-BC27D98D0F6D}" srcId="{58F8C4A0-F517-4570-87DF-539FDC5AA511}" destId="{C761510C-FF13-4B16-9C95-D3ABB457B426}" srcOrd="0" destOrd="0" parTransId="{74CE61C4-645C-433A-B34F-2E951F31407B}" sibTransId="{46954FB7-1B1E-44D0-AEAC-1B1BA4C0B84C}"/>
+    <dgm:cxn modelId="{6E9CF394-9734-4932-AF04-E93FE6DEB137}" srcId="{58F8C4A0-F517-4570-87DF-539FDC5AA511}" destId="{0E22CB97-E56D-452E-A115-164ACCAF96EF}" srcOrd="4" destOrd="0" parTransId="{FE138867-350B-48EA-83EF-3A6B7F811DDE}" sibTransId="{97575447-3160-43AF-B69E-3B2D0EECCEA0}"/>
+    <dgm:cxn modelId="{BFC599AA-4B09-4A9E-BE38-C3841CBD13B4}" type="presOf" srcId="{6BFBBF0C-85ED-47A4-8E55-AB279EFD1DF8}" destId="{3872B5C0-C915-47F2-AA8C-BAC9364AD8FB}" srcOrd="0" destOrd="0" presId="urn:microsoft.com/office/officeart/2018/2/layout/IconLabelList"/>
+    <dgm:cxn modelId="{522177B1-78FA-436D-9E4D-05D9E6596535}" type="presOf" srcId="{58F8C4A0-F517-4570-87DF-539FDC5AA511}" destId="{EAB6B8F6-890C-494A-9809-219DB3B2ADDA}" srcOrd="0" destOrd="0" presId="urn:microsoft.com/office/officeart/2018/2/layout/IconLabelList"/>
+    <dgm:cxn modelId="{FE9FF4D0-5834-46F9-B30B-533375A2FD16}" srcId="{58F8C4A0-F517-4570-87DF-539FDC5AA511}" destId="{1D525A83-F1C2-4E83-A035-23A88A287D83}" srcOrd="1" destOrd="0" parTransId="{CF5332B1-21DC-454A-B96F-A6CC1EA30CA7}" sibTransId="{94598A88-546E-4193-BD59-92A9C3E92E18}"/>
+    <dgm:cxn modelId="{0D8D743E-A52C-4ED1-99B9-1B8099098ED2}" type="presParOf" srcId="{EAB6B8F6-890C-494A-9809-219DB3B2ADDA}" destId="{8FB4EF9F-0718-4D48-B094-929EC8125B59}" srcOrd="0" destOrd="0" presId="urn:microsoft.com/office/officeart/2018/2/layout/IconLabelList"/>
+    <dgm:cxn modelId="{F7B16CE9-5FDC-46CE-A5E1-3BE3C5EA2AA5}" type="presParOf" srcId="{8FB4EF9F-0718-4D48-B094-929EC8125B59}" destId="{F7B4BC3E-BF55-48AC-BFC6-209174F6F4A5}" srcOrd="0" destOrd="0" presId="urn:microsoft.com/office/officeart/2018/2/layout/IconLabelList"/>
+    <dgm:cxn modelId="{F5E6E73A-C30A-459C-83D9-74F8FFE98220}" type="presParOf" srcId="{8FB4EF9F-0718-4D48-B094-929EC8125B59}" destId="{908FFBA1-CD57-4E28-B321-2EE0AB75E4F5}" srcOrd="1" destOrd="0" presId="urn:microsoft.com/office/officeart/2018/2/layout/IconLabelList"/>
+    <dgm:cxn modelId="{1D7AD701-62BF-4292-851F-E48F462C2BD4}" type="presParOf" srcId="{8FB4EF9F-0718-4D48-B094-929EC8125B59}" destId="{4FA1D817-7284-4AB6-A4BB-31EC7F4F284E}" srcOrd="2" destOrd="0" presId="urn:microsoft.com/office/officeart/2018/2/layout/IconLabelList"/>
+    <dgm:cxn modelId="{04B1C526-791A-44D6-A52B-CC36A4B67499}" type="presParOf" srcId="{EAB6B8F6-890C-494A-9809-219DB3B2ADDA}" destId="{E782E5D9-40E9-46A0-ADC0-C94686030891}" srcOrd="1" destOrd="0" presId="urn:microsoft.com/office/officeart/2018/2/layout/IconLabelList"/>
+    <dgm:cxn modelId="{1BA8D693-0F3A-4626-B993-8793F20D3C8E}" type="presParOf" srcId="{EAB6B8F6-890C-494A-9809-219DB3B2ADDA}" destId="{60C8113E-D2BF-4C4F-ACDA-72E3EDEA7349}" srcOrd="2" destOrd="0" presId="urn:microsoft.com/office/officeart/2018/2/layout/IconLabelList"/>
+    <dgm:cxn modelId="{7F92E40F-00F2-422C-8309-92DDD781037F}" type="presParOf" srcId="{60C8113E-D2BF-4C4F-ACDA-72E3EDEA7349}" destId="{DE425EBA-4614-4D1F-81B7-05C4504332AF}" srcOrd="0" destOrd="0" presId="urn:microsoft.com/office/officeart/2018/2/layout/IconLabelList"/>
+    <dgm:cxn modelId="{C2E8ACF4-CF92-42C5-B0D2-7A27CD9EBF33}" type="presParOf" srcId="{60C8113E-D2BF-4C4F-ACDA-72E3EDEA7349}" destId="{9521DFA3-8BC6-447D-962B-39FB4FABEF8F}" srcOrd="1" destOrd="0" presId="urn:microsoft.com/office/officeart/2018/2/layout/IconLabelList"/>
+    <dgm:cxn modelId="{BC5FC6F0-1230-41F8-ACD2-6C5DB08C2A0D}" type="presParOf" srcId="{60C8113E-D2BF-4C4F-ACDA-72E3EDEA7349}" destId="{73B211A9-961D-4ECC-8299-0F242D91F07D}" srcOrd="2" destOrd="0" presId="urn:microsoft.com/office/officeart/2018/2/layout/IconLabelList"/>
+    <dgm:cxn modelId="{632FB0E5-D765-4B1D-8C23-FF84B6FBEF5A}" type="presParOf" srcId="{EAB6B8F6-890C-494A-9809-219DB3B2ADDA}" destId="{0809D9BD-C99E-4DFE-9997-C24C941D398B}" srcOrd="3" destOrd="0" presId="urn:microsoft.com/office/officeart/2018/2/layout/IconLabelList"/>
+    <dgm:cxn modelId="{E9758C95-F59E-4953-8070-0E2E77F95762}" type="presParOf" srcId="{EAB6B8F6-890C-494A-9809-219DB3B2ADDA}" destId="{18C49926-0B2B-4874-BA30-E20C24DB0802}" srcOrd="4" destOrd="0" presId="urn:microsoft.com/office/officeart/2018/2/layout/IconLabelList"/>
+    <dgm:cxn modelId="{543B72EF-8A27-45BF-B659-A7D1ACB4DDD3}" type="presParOf" srcId="{18C49926-0B2B-4874-BA30-E20C24DB0802}" destId="{7A76AD9D-6145-4D05-A8ED-31CFCF9A0CE3}" srcOrd="0" destOrd="0" presId="urn:microsoft.com/office/officeart/2018/2/layout/IconLabelList"/>
+    <dgm:cxn modelId="{C54AECB9-33A4-4E9D-BC64-40FC8517A0B6}" type="presParOf" srcId="{18C49926-0B2B-4874-BA30-E20C24DB0802}" destId="{B174DA77-905F-47B4-8B11-4B0C6A353889}" srcOrd="1" destOrd="0" presId="urn:microsoft.com/office/officeart/2018/2/layout/IconLabelList"/>
+    <dgm:cxn modelId="{498AD5CA-15CF-4C2D-A656-E0930510A3AD}" type="presParOf" srcId="{18C49926-0B2B-4874-BA30-E20C24DB0802}" destId="{3872B5C0-C915-47F2-AA8C-BAC9364AD8FB}" srcOrd="2" destOrd="0" presId="urn:microsoft.com/office/officeart/2018/2/layout/IconLabelList"/>
+    <dgm:cxn modelId="{41596399-8DB7-45F1-A1C7-3F29A9CA3193}" type="presParOf" srcId="{EAB6B8F6-890C-494A-9809-219DB3B2ADDA}" destId="{3A188E67-13CC-4B11-B6F7-66EC6F2EAF2A}" srcOrd="5" destOrd="0" presId="urn:microsoft.com/office/officeart/2018/2/layout/IconLabelList"/>
+    <dgm:cxn modelId="{48A6A6D9-8F98-4BB5-953A-2F9C3FBF2BE9}" type="presParOf" srcId="{EAB6B8F6-890C-494A-9809-219DB3B2ADDA}" destId="{C72473DF-7146-4402-BAFE-44564AE62AF2}" srcOrd="6" destOrd="0" presId="urn:microsoft.com/office/officeart/2018/2/layout/IconLabelList"/>
+    <dgm:cxn modelId="{A9F80309-9EC0-4389-8DF0-478361BDF5BA}" type="presParOf" srcId="{C72473DF-7146-4402-BAFE-44564AE62AF2}" destId="{67156D3B-0271-4222-95D2-165EC8DAEFDB}" srcOrd="0" destOrd="0" presId="urn:microsoft.com/office/officeart/2018/2/layout/IconLabelList"/>
+    <dgm:cxn modelId="{FF4A28C0-1D88-41BE-9172-32C40DD57E4B}" type="presParOf" srcId="{C72473DF-7146-4402-BAFE-44564AE62AF2}" destId="{837EEB60-00E2-47D1-804B-0126A484CEE4}" srcOrd="1" destOrd="0" presId="urn:microsoft.com/office/officeart/2018/2/layout/IconLabelList"/>
+    <dgm:cxn modelId="{69B5483D-8A7E-4582-8819-E1487E441969}" type="presParOf" srcId="{C72473DF-7146-4402-BAFE-44564AE62AF2}" destId="{5F41AAFA-64E4-4681-AE9D-8616145C3B77}" srcOrd="2" destOrd="0" presId="urn:microsoft.com/office/officeart/2018/2/layout/IconLabelList"/>
+    <dgm:cxn modelId="{C559062E-3B86-401D-9BC0-4E32CCCDC842}" type="presParOf" srcId="{EAB6B8F6-890C-494A-9809-219DB3B2ADDA}" destId="{C4F97398-7968-4F62-AD90-68857C58542E}" srcOrd="7" destOrd="0" presId="urn:microsoft.com/office/officeart/2018/2/layout/IconLabelList"/>
+    <dgm:cxn modelId="{7C89857B-3779-4641-8F01-8769E10B5DEE}" type="presParOf" srcId="{EAB6B8F6-890C-494A-9809-219DB3B2ADDA}" destId="{141586B8-CED2-4408-BE76-762F5338010C}" srcOrd="8" destOrd="0" presId="urn:microsoft.com/office/officeart/2018/2/layout/IconLabelList"/>
+    <dgm:cxn modelId="{1BC820BE-669C-434B-A41E-17E0FC30D332}" type="presParOf" srcId="{141586B8-CED2-4408-BE76-762F5338010C}" destId="{7B468DE1-9AF0-4FAA-AE42-3825E251B027}" srcOrd="0" destOrd="0" presId="urn:microsoft.com/office/officeart/2018/2/layout/IconLabelList"/>
+    <dgm:cxn modelId="{07079193-CFD5-4639-BE84-308A6FEDFB3E}" type="presParOf" srcId="{141586B8-CED2-4408-BE76-762F5338010C}" destId="{6998B8E6-FB3B-4C8F-A7CC-3242EC3F9B6E}" srcOrd="1" destOrd="0" presId="urn:microsoft.com/office/officeart/2018/2/layout/IconLabelList"/>
+    <dgm:cxn modelId="{8E17B76E-DC5A-4235-9724-3F91400944E0}" type="presParOf" srcId="{141586B8-CED2-4408-BE76-762F5338010C}" destId="{766D13D4-83BC-4041-832D-6530F83A7EEA}" srcOrd="2" destOrd="0" presId="urn:microsoft.com/office/officeart/2018/2/layout/IconLabelList"/>
+  </dgm:cxnLst>
+  <dgm:bg/>
+  <dgm:whole/>
+  <dgm:extLst>
+    <a:ext uri="http://schemas.microsoft.com/office/drawing/2008/diagram">
+      <dsp:dataModelExt xmlns:dsp="http://schemas.microsoft.com/office/drawing/2008/diagram" relId="rId6" minVer="http://schemas.openxmlformats.org/drawingml/2006/diagram"/>
+    </a:ext>
+  </dgm:extLst>
+</dgm:dataModel>
+</file>
+
+<file path=ppt/diagrams/drawing1.xml><?xml version="1.0" encoding="utf-8"?>
+<dsp:drawing xmlns:dgm="http://schemas.openxmlformats.org/drawingml/2006/diagram" xmlns:dsp="http://schemas.microsoft.com/office/drawing/2008/diagram" xmlns:a="http://schemas.openxmlformats.org/drawingml/2006/main">
+  <dsp:spTree>
+    <dsp:nvGrpSpPr>
+      <dsp:cNvPr id="0" name=""/>
+      <dsp:cNvGrpSpPr/>
+    </dsp:nvGrpSpPr>
+    <dsp:grpSpPr/>
+    <dsp:sp modelId="{F7B4BC3E-BF55-48AC-BFC6-209174F6F4A5}">
+      <dsp:nvSpPr>
+        <dsp:cNvPr id="0" name=""/>
+        <dsp:cNvSpPr/>
+      </dsp:nvSpPr>
+      <dsp:spPr>
+        <a:xfrm>
+          <a:off x="705698" y="1077947"/>
+          <a:ext cx="810000" cy="810000"/>
+        </a:xfrm>
+        <a:prstGeom prst="rect">
+          <a:avLst/>
+        </a:prstGeom>
+        <a:blipFill>
+          <a:blip xmlns:r="http://schemas.openxmlformats.org/officeDocument/2006/relationships" r:embed="rId1">
+            <a:extLst>
+              <a:ext uri="{28A0092B-C50C-407E-A947-70E740481C1C}">
+                <a14:useLocalDpi xmlns:a14="http://schemas.microsoft.com/office/drawing/2010/main" val="0"/>
+              </a:ext>
+              <a:ext uri="{96DAC541-7B7A-43D3-8B79-37D633B846F1}">
+                <asvg:svgBlip xmlns:asvg="http://schemas.microsoft.com/office/drawing/2016/SVG/main" r:embed="rId2"/>
+              </a:ext>
+            </a:extLst>
+          </a:blip>
+          <a:stretch>
+            <a:fillRect/>
+          </a:stretch>
+        </a:blipFill>
+        <a:ln w="19050" cap="flat" cmpd="sng" algn="ctr">
+          <a:solidFill>
+            <a:schemeClr val="lt1">
+              <a:hueOff val="0"/>
+              <a:satOff val="0"/>
+              <a:lumOff val="0"/>
+              <a:alphaOff val="0"/>
+            </a:schemeClr>
+          </a:solidFill>
+          <a:prstDash val="solid"/>
+          <a:miter lim="800000"/>
+        </a:ln>
+        <a:effectLst/>
+      </dsp:spPr>
+      <dsp:style>
+        <a:lnRef idx="2">
+          <a:scrgbClr r="0" g="0" b="0"/>
+        </a:lnRef>
+        <a:fillRef idx="1">
+          <a:scrgbClr r="0" g="0" b="0"/>
+        </a:fillRef>
+        <a:effectRef idx="0">
+          <a:scrgbClr r="0" g="0" b="0"/>
+        </a:effectRef>
+        <a:fontRef idx="minor">
+          <a:schemeClr val="lt1"/>
+        </a:fontRef>
+      </dsp:style>
+    </dsp:sp>
+    <dsp:sp modelId="{4FA1D817-7284-4AB6-A4BB-31EC7F4F284E}">
+      <dsp:nvSpPr>
+        <dsp:cNvPr id="0" name=""/>
+        <dsp:cNvSpPr/>
+      </dsp:nvSpPr>
+      <dsp:spPr>
+        <a:xfrm>
+          <a:off x="210698" y="2206760"/>
+          <a:ext cx="1800000" cy="996591"/>
+        </a:xfrm>
+        <a:prstGeom prst="rect">
+          <a:avLst/>
+        </a:prstGeom>
+        <a:noFill/>
+        <a:ln>
+          <a:noFill/>
+        </a:ln>
+        <a:effectLst/>
+      </dsp:spPr>
+      <dsp:style>
+        <a:lnRef idx="0">
+          <a:scrgbClr r="0" g="0" b="0"/>
+        </a:lnRef>
+        <a:fillRef idx="0">
+          <a:scrgbClr r="0" g="0" b="0"/>
+        </a:fillRef>
+        <a:effectRef idx="0">
+          <a:scrgbClr r="0" g="0" b="0"/>
+        </a:effectRef>
+        <a:fontRef idx="minor"/>
+      </dsp:style>
+      <dsp:txBody>
+        <a:bodyPr spcFirstLastPara="0" vert="horz" wrap="square" lIns="0" tIns="0" rIns="0" bIns="0" numCol="1" spcCol="1270" anchor="t" anchorCtr="0">
+          <a:noAutofit/>
+        </a:bodyPr>
+        <a:lstStyle/>
+        <a:p>
+          <a:pPr marL="0" lvl="0" indent="0" algn="ctr" defTabSz="711200">
+            <a:lnSpc>
+              <a:spcPct val="100000"/>
+            </a:lnSpc>
+            <a:spcBef>
+              <a:spcPct val="0"/>
+            </a:spcBef>
+            <a:spcAft>
+              <a:spcPct val="35000"/>
+            </a:spcAft>
+            <a:buNone/>
+          </a:pPr>
+          <a:r>
+            <a:rPr lang="en-US" sz="1600" b="1" kern="1200" dirty="0"/>
+            <a:t>Definition</a:t>
+          </a:r>
+          <a:r>
+            <a:rPr lang="en-US" sz="1600" kern="1200" dirty="0"/>
+            <a:t>: STP is Software Test Planning.</a:t>
+          </a:r>
+        </a:p>
+      </dsp:txBody>
+      <dsp:txXfrm>
+        <a:off x="210698" y="2206760"/>
+        <a:ext cx="1800000" cy="996591"/>
+      </dsp:txXfrm>
+    </dsp:sp>
+    <dsp:sp modelId="{DE425EBA-4614-4D1F-81B7-05C4504332AF}">
+      <dsp:nvSpPr>
+        <dsp:cNvPr id="0" name=""/>
+        <dsp:cNvSpPr/>
+      </dsp:nvSpPr>
+      <dsp:spPr>
+        <a:xfrm>
+          <a:off x="2820698" y="1077947"/>
+          <a:ext cx="810000" cy="810000"/>
+        </a:xfrm>
+        <a:prstGeom prst="rect">
+          <a:avLst/>
+        </a:prstGeom>
+        <a:blipFill>
+          <a:blip xmlns:r="http://schemas.openxmlformats.org/officeDocument/2006/relationships" r:embed="rId3">
+            <a:extLst>
+              <a:ext uri="{28A0092B-C50C-407E-A947-70E740481C1C}">
+                <a14:useLocalDpi xmlns:a14="http://schemas.microsoft.com/office/drawing/2010/main" val="0"/>
+              </a:ext>
+              <a:ext uri="{96DAC541-7B7A-43D3-8B79-37D633B846F1}">
+                <asvg:svgBlip xmlns:asvg="http://schemas.microsoft.com/office/drawing/2016/SVG/main" r:embed="rId4"/>
+              </a:ext>
+            </a:extLst>
+          </a:blip>
+          <a:stretch>
+            <a:fillRect/>
+          </a:stretch>
+        </a:blipFill>
+        <a:ln w="19050" cap="flat" cmpd="sng" algn="ctr">
+          <a:solidFill>
+            <a:schemeClr val="lt1">
+              <a:hueOff val="0"/>
+              <a:satOff val="0"/>
+              <a:lumOff val="0"/>
+              <a:alphaOff val="0"/>
+            </a:schemeClr>
+          </a:solidFill>
+          <a:prstDash val="solid"/>
+          <a:miter lim="800000"/>
+        </a:ln>
+        <a:effectLst/>
+      </dsp:spPr>
+      <dsp:style>
+        <a:lnRef idx="2">
+          <a:scrgbClr r="0" g="0" b="0"/>
+        </a:lnRef>
+        <a:fillRef idx="1">
+          <a:scrgbClr r="0" g="0" b="0"/>
+        </a:fillRef>
+        <a:effectRef idx="0">
+          <a:scrgbClr r="0" g="0" b="0"/>
+        </a:effectRef>
+        <a:fontRef idx="minor">
+          <a:schemeClr val="lt1"/>
+        </a:fontRef>
+      </dsp:style>
+    </dsp:sp>
+    <dsp:sp modelId="{73B211A9-961D-4ECC-8299-0F242D91F07D}">
+      <dsp:nvSpPr>
+        <dsp:cNvPr id="0" name=""/>
+        <dsp:cNvSpPr/>
+      </dsp:nvSpPr>
+      <dsp:spPr>
+        <a:xfrm>
+          <a:off x="2325698" y="2206760"/>
+          <a:ext cx="1800000" cy="996591"/>
+        </a:xfrm>
+        <a:prstGeom prst="rect">
+          <a:avLst/>
+        </a:prstGeom>
+        <a:noFill/>
+        <a:ln>
+          <a:noFill/>
+        </a:ln>
+        <a:effectLst/>
+      </dsp:spPr>
+      <dsp:style>
+        <a:lnRef idx="0">
+          <a:scrgbClr r="0" g="0" b="0"/>
+        </a:lnRef>
+        <a:fillRef idx="0">
+          <a:scrgbClr r="0" g="0" b="0"/>
+        </a:fillRef>
+        <a:effectRef idx="0">
+          <a:scrgbClr r="0" g="0" b="0"/>
+        </a:effectRef>
+        <a:fontRef idx="minor"/>
+      </dsp:style>
+      <dsp:txBody>
+        <a:bodyPr spcFirstLastPara="0" vert="horz" wrap="square" lIns="0" tIns="0" rIns="0" bIns="0" numCol="1" spcCol="1270" anchor="t" anchorCtr="0">
+          <a:noAutofit/>
+        </a:bodyPr>
+        <a:lstStyle/>
+        <a:p>
+          <a:pPr marL="0" lvl="0" indent="0" algn="ctr" defTabSz="711200">
+            <a:lnSpc>
+              <a:spcPct val="100000"/>
+            </a:lnSpc>
+            <a:spcBef>
+              <a:spcPct val="0"/>
+            </a:spcBef>
+            <a:spcAft>
+              <a:spcPct val="35000"/>
+            </a:spcAft>
+            <a:buNone/>
+          </a:pPr>
+          <a:r>
+            <a:rPr lang="en-US" sz="1600" b="1" kern="1200" dirty="0"/>
+            <a:t>Objectives</a:t>
+          </a:r>
+          <a:r>
+            <a:rPr lang="en-US" sz="1600" kern="1200" dirty="0"/>
+            <a:t>: Defines testing goals and ensures software reliability.</a:t>
+          </a:r>
+        </a:p>
+      </dsp:txBody>
+      <dsp:txXfrm>
+        <a:off x="2325698" y="2206760"/>
+        <a:ext cx="1800000" cy="996591"/>
+      </dsp:txXfrm>
+    </dsp:sp>
+    <dsp:sp modelId="{7A76AD9D-6145-4D05-A8ED-31CFCF9A0CE3}">
+      <dsp:nvSpPr>
+        <dsp:cNvPr id="0" name=""/>
+        <dsp:cNvSpPr/>
+      </dsp:nvSpPr>
+      <dsp:spPr>
+        <a:xfrm>
+          <a:off x="4935698" y="1077947"/>
+          <a:ext cx="810000" cy="810000"/>
+        </a:xfrm>
+        <a:prstGeom prst="rect">
+          <a:avLst/>
+        </a:prstGeom>
+        <a:blipFill>
+          <a:blip xmlns:r="http://schemas.openxmlformats.org/officeDocument/2006/relationships" r:embed="rId5">
+            <a:extLst>
+              <a:ext uri="{28A0092B-C50C-407E-A947-70E740481C1C}">
+                <a14:useLocalDpi xmlns:a14="http://schemas.microsoft.com/office/drawing/2010/main" val="0"/>
+              </a:ext>
+              <a:ext uri="{96DAC541-7B7A-43D3-8B79-37D633B846F1}">
+                <asvg:svgBlip xmlns:asvg="http://schemas.microsoft.com/office/drawing/2016/SVG/main" r:embed="rId6"/>
+              </a:ext>
+            </a:extLst>
+          </a:blip>
+          <a:stretch>
+            <a:fillRect/>
+          </a:stretch>
+        </a:blipFill>
+        <a:ln w="19050" cap="flat" cmpd="sng" algn="ctr">
+          <a:solidFill>
+            <a:schemeClr val="lt1">
+              <a:hueOff val="0"/>
+              <a:satOff val="0"/>
+              <a:lumOff val="0"/>
+              <a:alphaOff val="0"/>
+            </a:schemeClr>
+          </a:solidFill>
+          <a:prstDash val="solid"/>
+          <a:miter lim="800000"/>
+        </a:ln>
+        <a:effectLst/>
+      </dsp:spPr>
+      <dsp:style>
+        <a:lnRef idx="2">
+          <a:scrgbClr r="0" g="0" b="0"/>
+        </a:lnRef>
+        <a:fillRef idx="1">
+          <a:scrgbClr r="0" g="0" b="0"/>
+        </a:fillRef>
+        <a:effectRef idx="0">
+          <a:scrgbClr r="0" g="0" b="0"/>
+        </a:effectRef>
+        <a:fontRef idx="minor">
+          <a:schemeClr val="lt1"/>
+        </a:fontRef>
+      </dsp:style>
+    </dsp:sp>
+    <dsp:sp modelId="{3872B5C0-C915-47F2-AA8C-BAC9364AD8FB}">
+      <dsp:nvSpPr>
+        <dsp:cNvPr id="0" name=""/>
+        <dsp:cNvSpPr/>
+      </dsp:nvSpPr>
+      <dsp:spPr>
+        <a:xfrm>
+          <a:off x="4440698" y="2206760"/>
+          <a:ext cx="1800000" cy="996591"/>
+        </a:xfrm>
+        <a:prstGeom prst="rect">
+          <a:avLst/>
+        </a:prstGeom>
+        <a:noFill/>
+        <a:ln>
+          <a:noFill/>
+        </a:ln>
+        <a:effectLst/>
+      </dsp:spPr>
+      <dsp:style>
+        <a:lnRef idx="0">
+          <a:scrgbClr r="0" g="0" b="0"/>
+        </a:lnRef>
+        <a:fillRef idx="0">
+          <a:scrgbClr r="0" g="0" b="0"/>
+        </a:fillRef>
+        <a:effectRef idx="0">
+          <a:scrgbClr r="0" g="0" b="0"/>
+        </a:effectRef>
+        <a:fontRef idx="minor"/>
+      </dsp:style>
+      <dsp:txBody>
+        <a:bodyPr spcFirstLastPara="0" vert="horz" wrap="square" lIns="0" tIns="0" rIns="0" bIns="0" numCol="1" spcCol="1270" anchor="t" anchorCtr="0">
+          <a:noAutofit/>
+        </a:bodyPr>
+        <a:lstStyle/>
+        <a:p>
+          <a:pPr marL="0" lvl="0" indent="0" algn="ctr" defTabSz="711200">
+            <a:lnSpc>
+              <a:spcPct val="100000"/>
+            </a:lnSpc>
+            <a:spcBef>
+              <a:spcPct val="0"/>
+            </a:spcBef>
+            <a:spcAft>
+              <a:spcPct val="35000"/>
+            </a:spcAft>
+            <a:buNone/>
+          </a:pPr>
+          <a:r>
+            <a:rPr lang="en-US" sz="1600" b="1" kern="1200" dirty="0"/>
+            <a:t>Scope</a:t>
+          </a:r>
+          <a:r>
+            <a:rPr lang="en-US" sz="1600" kern="1200" dirty="0"/>
+            <a:t>: Details what features to test and success criteria.</a:t>
+          </a:r>
+        </a:p>
+      </dsp:txBody>
+      <dsp:txXfrm>
+        <a:off x="4440698" y="2206760"/>
+        <a:ext cx="1800000" cy="996591"/>
+      </dsp:txXfrm>
+    </dsp:sp>
+    <dsp:sp modelId="{67156D3B-0271-4222-95D2-165EC8DAEFDB}">
+      <dsp:nvSpPr>
+        <dsp:cNvPr id="0" name=""/>
+        <dsp:cNvSpPr/>
+      </dsp:nvSpPr>
+      <dsp:spPr>
+        <a:xfrm>
+          <a:off x="7050699" y="1077947"/>
+          <a:ext cx="810000" cy="810000"/>
+        </a:xfrm>
+        <a:prstGeom prst="rect">
+          <a:avLst/>
+        </a:prstGeom>
+        <a:blipFill>
+          <a:blip xmlns:r="http://schemas.openxmlformats.org/officeDocument/2006/relationships" r:embed="rId7">
+            <a:extLst>
+              <a:ext uri="{28A0092B-C50C-407E-A947-70E740481C1C}">
+                <a14:useLocalDpi xmlns:a14="http://schemas.microsoft.com/office/drawing/2010/main" val="0"/>
+              </a:ext>
+              <a:ext uri="{96DAC541-7B7A-43D3-8B79-37D633B846F1}">
+                <asvg:svgBlip xmlns:asvg="http://schemas.microsoft.com/office/drawing/2016/SVG/main" r:embed="rId8"/>
+              </a:ext>
+            </a:extLst>
+          </a:blip>
+          <a:stretch>
+            <a:fillRect/>
+          </a:stretch>
+        </a:blipFill>
+        <a:ln w="19050" cap="flat" cmpd="sng" algn="ctr">
+          <a:solidFill>
+            <a:schemeClr val="lt1">
+              <a:hueOff val="0"/>
+              <a:satOff val="0"/>
+              <a:lumOff val="0"/>
+              <a:alphaOff val="0"/>
+            </a:schemeClr>
+          </a:solidFill>
+          <a:prstDash val="solid"/>
+          <a:miter lim="800000"/>
+        </a:ln>
+        <a:effectLst/>
+      </dsp:spPr>
+      <dsp:style>
+        <a:lnRef idx="2">
+          <a:scrgbClr r="0" g="0" b="0"/>
+        </a:lnRef>
+        <a:fillRef idx="1">
+          <a:scrgbClr r="0" g="0" b="0"/>
+        </a:fillRef>
+        <a:effectRef idx="0">
+          <a:scrgbClr r="0" g="0" b="0"/>
+        </a:effectRef>
+        <a:fontRef idx="minor">
+          <a:schemeClr val="lt1"/>
+        </a:fontRef>
+      </dsp:style>
+    </dsp:sp>
+    <dsp:sp modelId="{5F41AAFA-64E4-4681-AE9D-8616145C3B77}">
+      <dsp:nvSpPr>
+        <dsp:cNvPr id="0" name=""/>
+        <dsp:cNvSpPr/>
+      </dsp:nvSpPr>
+      <dsp:spPr>
+        <a:xfrm>
+          <a:off x="6555698" y="2206760"/>
+          <a:ext cx="1800000" cy="996591"/>
+        </a:xfrm>
+        <a:prstGeom prst="rect">
+          <a:avLst/>
+        </a:prstGeom>
+        <a:noFill/>
+        <a:ln>
+          <a:noFill/>
+        </a:ln>
+        <a:effectLst/>
+      </dsp:spPr>
+      <dsp:style>
+        <a:lnRef idx="0">
+          <a:scrgbClr r="0" g="0" b="0"/>
+        </a:lnRef>
+        <a:fillRef idx="0">
+          <a:scrgbClr r="0" g="0" b="0"/>
+        </a:fillRef>
+        <a:effectRef idx="0">
+          <a:scrgbClr r="0" g="0" b="0"/>
+        </a:effectRef>
+        <a:fontRef idx="minor"/>
+      </dsp:style>
+      <dsp:txBody>
+        <a:bodyPr spcFirstLastPara="0" vert="horz" wrap="square" lIns="0" tIns="0" rIns="0" bIns="0" numCol="1" spcCol="1270" anchor="t" anchorCtr="0">
+          <a:noAutofit/>
+        </a:bodyPr>
+        <a:lstStyle/>
+        <a:p>
+          <a:pPr marL="0" lvl="0" indent="0" algn="ctr" defTabSz="711200">
+            <a:lnSpc>
+              <a:spcPct val="100000"/>
+            </a:lnSpc>
+            <a:spcBef>
+              <a:spcPct val="0"/>
+            </a:spcBef>
+            <a:spcAft>
+              <a:spcPct val="35000"/>
+            </a:spcAft>
+            <a:buNone/>
+          </a:pPr>
+          <a:r>
+            <a:rPr lang="en-US" sz="1600" b="1" kern="1200" dirty="0"/>
+            <a:t>Resources</a:t>
+          </a:r>
+          <a:r>
+            <a:rPr lang="en-US" sz="1600" kern="1200" dirty="0"/>
+            <a:t>: Lists required resources and assigns responsibilities.</a:t>
+          </a:r>
+        </a:p>
+      </dsp:txBody>
+      <dsp:txXfrm>
+        <a:off x="6555698" y="2206760"/>
+        <a:ext cx="1800000" cy="996591"/>
+      </dsp:txXfrm>
+    </dsp:sp>
+    <dsp:sp modelId="{7B468DE1-9AF0-4FAA-AE42-3825E251B027}">
+      <dsp:nvSpPr>
+        <dsp:cNvPr id="0" name=""/>
+        <dsp:cNvSpPr/>
+      </dsp:nvSpPr>
+      <dsp:spPr>
+        <a:xfrm>
+          <a:off x="9165699" y="1077947"/>
+          <a:ext cx="810000" cy="810000"/>
+        </a:xfrm>
+        <a:prstGeom prst="rect">
+          <a:avLst/>
+        </a:prstGeom>
+        <a:blipFill>
+          <a:blip xmlns:r="http://schemas.openxmlformats.org/officeDocument/2006/relationships" r:embed="rId9">
+            <a:extLst>
+              <a:ext uri="{28A0092B-C50C-407E-A947-70E740481C1C}">
+                <a14:useLocalDpi xmlns:a14="http://schemas.microsoft.com/office/drawing/2010/main" val="0"/>
+              </a:ext>
+              <a:ext uri="{96DAC541-7B7A-43D3-8B79-37D633B846F1}">
+                <asvg:svgBlip xmlns:asvg="http://schemas.microsoft.com/office/drawing/2016/SVG/main" r:embed="rId10"/>
+              </a:ext>
+            </a:extLst>
+          </a:blip>
+          <a:stretch>
+            <a:fillRect/>
+          </a:stretch>
+        </a:blipFill>
+        <a:ln w="19050" cap="flat" cmpd="sng" algn="ctr">
+          <a:solidFill>
+            <a:schemeClr val="lt1">
+              <a:hueOff val="0"/>
+              <a:satOff val="0"/>
+              <a:lumOff val="0"/>
+              <a:alphaOff val="0"/>
+            </a:schemeClr>
+          </a:solidFill>
+          <a:prstDash val="solid"/>
+          <a:miter lim="800000"/>
+        </a:ln>
+        <a:effectLst/>
+      </dsp:spPr>
+      <dsp:style>
+        <a:lnRef idx="2">
+          <a:scrgbClr r="0" g="0" b="0"/>
+        </a:lnRef>
+        <a:fillRef idx="1">
+          <a:scrgbClr r="0" g="0" b="0"/>
+        </a:fillRef>
+        <a:effectRef idx="0">
+          <a:scrgbClr r="0" g="0" b="0"/>
+        </a:effectRef>
+        <a:fontRef idx="minor">
+          <a:schemeClr val="lt1"/>
+        </a:fontRef>
+      </dsp:style>
+    </dsp:sp>
+    <dsp:sp modelId="{766D13D4-83BC-4041-832D-6530F83A7EEA}">
+      <dsp:nvSpPr>
+        <dsp:cNvPr id="0" name=""/>
+        <dsp:cNvSpPr/>
+      </dsp:nvSpPr>
+      <dsp:spPr>
+        <a:xfrm>
+          <a:off x="8670699" y="2206760"/>
+          <a:ext cx="1800000" cy="996591"/>
+        </a:xfrm>
+        <a:prstGeom prst="rect">
+          <a:avLst/>
+        </a:prstGeom>
+        <a:noFill/>
+        <a:ln>
+          <a:noFill/>
+        </a:ln>
+        <a:effectLst/>
+      </dsp:spPr>
+      <dsp:style>
+        <a:lnRef idx="0">
+          <a:scrgbClr r="0" g="0" b="0"/>
+        </a:lnRef>
+        <a:fillRef idx="0">
+          <a:scrgbClr r="0" g="0" b="0"/>
+        </a:fillRef>
+        <a:effectRef idx="0">
+          <a:scrgbClr r="0" g="0" b="0"/>
+        </a:effectRef>
+        <a:fontRef idx="minor"/>
+      </dsp:style>
+      <dsp:txBody>
+        <a:bodyPr spcFirstLastPara="0" vert="horz" wrap="square" lIns="0" tIns="0" rIns="0" bIns="0" numCol="1" spcCol="1270" anchor="t" anchorCtr="0">
+          <a:noAutofit/>
+        </a:bodyPr>
+        <a:lstStyle/>
+        <a:p>
+          <a:pPr marL="0" lvl="0" indent="0" algn="ctr" defTabSz="711200">
+            <a:lnSpc>
+              <a:spcPct val="100000"/>
+            </a:lnSpc>
+            <a:spcBef>
+              <a:spcPct val="0"/>
+            </a:spcBef>
+            <a:spcAft>
+              <a:spcPct val="35000"/>
+            </a:spcAft>
+            <a:buNone/>
+          </a:pPr>
+          <a:r>
+            <a:rPr lang="en-US" sz="1600" b="1" kern="1200" dirty="0"/>
+            <a:t>Schedule</a:t>
+          </a:r>
+          <a:r>
+            <a:rPr lang="en-US" sz="1600" kern="1200" dirty="0"/>
+            <a:t>: Provides a timeline with milestones and deadlines.</a:t>
+          </a:r>
+        </a:p>
+      </dsp:txBody>
+      <dsp:txXfrm>
+        <a:off x="8670699" y="2206760"/>
+        <a:ext cx="1800000" cy="996591"/>
+      </dsp:txXfrm>
+    </dsp:sp>
+  </dsp:spTree>
+</dsp:drawing>
+</file>
+
+<file path=ppt/diagrams/layout1.xml><?xml version="1.0" encoding="utf-8"?>
+<dgm:layoutDef xmlns:dgm="http://schemas.openxmlformats.org/drawingml/2006/diagram" xmlns:a="http://schemas.openxmlformats.org/drawingml/2006/main" uniqueId="urn:microsoft.com/office/officeart/2018/2/layout/IconLabelList">
+  <dgm:title val="Icon Label List"/>
+  <dgm:desc val="Use to show non-sequential or grouped chunks of information accompanied by a related visuals. Works best with icons or small pictures with short text captions."/>
+  <dgm:catLst>
+    <dgm:cat type="icon" pri="500"/>
+  </dgm:catLst>
+  <dgm:sampData useDef="1">
+    <dgm:dataModel>
+      <dgm:ptLst/>
+      <dgm:bg/>
+      <dgm:whole/>
+    </dgm:dataModel>
+  </dgm:sampData>
+  <dgm:styleData useDef="1">
+    <dgm:dataModel>
+      <dgm:ptLst/>
+      <dgm:bg/>
+      <dgm:whole/>
+    </dgm:dataModel>
+  </dgm:styleData>
+  <dgm:clrData useDef="1">
+    <dgm:dataModel>
+      <dgm:ptLst/>
+      <dgm:bg/>
+      <dgm:whole/>
+    </dgm:dataModel>
+  </dgm:clrData>
+  <dgm:layoutNode name="root">
+    <dgm:varLst>
+      <dgm:dir/>
+      <dgm:resizeHandles val="exact"/>
+    </dgm:varLst>
+    <dgm:choose name="Name0">
+      <dgm:if name="Name1" axis="self" func="var" arg="dir" op="equ" val="norm">
+        <dgm:alg type="snake">
+          <dgm:param type="grDir" val="tL"/>
+          <dgm:param type="flowDir" val="row"/>
+          <dgm:param type="contDir" val="sameDir"/>
+          <dgm:param type="off" val="ctr"/>
+          <dgm:param type="vertAlign" val="mid"/>
+          <dgm:param type="horzAlign" val="ctr"/>
+        </dgm:alg>
+      </dgm:if>
+      <dgm:else name="Name2">
+        <dgm:alg type="snake">
+          <dgm:param type="grDir" val="tR"/>
+          <dgm:param type="flowDir" val="row"/>
+          <dgm:param type="contDir" val="sameDir"/>
+          <dgm:param type="off" val="ctr"/>
+          <dgm:param type="vertAlign" val="mid"/>
+          <dgm:param type="horzAlign" val="ctr"/>
+        </dgm:alg>
+      </dgm:else>
+    </dgm:choose>
+    <dgm:shape xmlns:r="http://schemas.openxmlformats.org/officeDocument/2006/relationships" r:blip="">
+      <dgm:adjLst/>
+    </dgm:shape>
+    <dgm:presOf/>
+    <dgm:choose name="Name3">
+      <dgm:if name="Name4" axis="ch" ptType="node" func="cnt" op="lte" val="2">
+        <dgm:constrLst>
+          <dgm:constr type="h" for="ch" forName="compNode" refType="h" fact="0.4"/>
+          <dgm:constr type="w" for="ch" forName="compNode" val="120"/>
+          <dgm:constr type="w" for="ch" forName="sibTrans" refType="w" refFor="ch" refForName="compNode" fact="0.175"/>
+          <dgm:constr type="sp" refType="w" refFor="ch" refForName="compNode" op="equ" fact="0.25"/>
+          <dgm:constr type="primFontSz" for="des" ptType="node" op="equ" val="50"/>
+          <dgm:constr type="h" for="des" forName="compNode" op="equ"/>
+          <dgm:constr type="h" for="des" forName="textRect" op="equ"/>
+        </dgm:constrLst>
+      </dgm:if>
+      <dgm:if name="Name5" axis="ch" ptType="node" func="cnt" op="lte" val="4">
+        <dgm:constrLst>
+          <dgm:constr type="h" for="ch" forName="compNode" refType="h" fact="0.4"/>
+          <dgm:constr type="w" for="ch" forName="compNode" refType="w"/>
+          <dgm:constr type="w" for="ch" forName="sibTrans" refType="w" refFor="ch" refForName="compNode" fact="0.175"/>
+          <dgm:constr type="sp" refType="w" refFor="ch" refForName="compNode" op="equ" fact="0.25"/>
+          <dgm:constr type="primFontSz" for="des" ptType="node" op="equ" val="36"/>
+          <dgm:constr type="h" for="des" forName="compNode" op="equ"/>
+          <dgm:constr type="h" for="des" forName="textRect" op="equ"/>
+        </dgm:constrLst>
+      </dgm:if>
+      <dgm:else name="Name6">
+        <dgm:constrLst>
+          <dgm:constr type="h" for="ch" forName="compNode" refType="h" fact="0.4"/>
+          <dgm:constr type="w" for="ch" forName="compNode" refType="w"/>
+          <dgm:constr type="w" for="ch" forName="sibTrans" refType="w" refFor="ch" refForName="compNode" fact="0.175"/>
+          <dgm:constr type="sp" refType="w" refFor="ch" refForName="compNode" op="equ" fact="0.25"/>
+          <dgm:constr type="primFontSz" for="des" ptType="node" op="equ" val="24"/>
+          <dgm:constr type="h" for="des" forName="compNode" op="equ"/>
+          <dgm:constr type="h" for="des" forName="textRect" op="equ"/>
+        </dgm:constrLst>
+      </dgm:else>
+    </dgm:choose>
+    <dgm:ruleLst>
+      <dgm:rule type="w" for="ch" forName="compNode" val="50" fact="NaN" max="NaN"/>
+    </dgm:ruleLst>
+    <dgm:forEach name="Name7" axis="ch" ptType="node">
+      <dgm:layoutNode name="compNode">
+        <dgm:alg type="composite"/>
+        <dgm:shape xmlns:r="http://schemas.openxmlformats.org/officeDocument/2006/relationships" r:blip="">
+          <dgm:adjLst/>
+        </dgm:shape>
+        <dgm:presOf axis="self"/>
+        <dgm:constrLst>
+          <dgm:constr type="w" for="ch" forName="iconRect" refType="w" fact="0.45"/>
+          <dgm:constr type="h" for="ch" forName="iconRect" refType="w" refFor="ch" refForName="iconRect"/>
+          <dgm:constr type="ctrX" for="ch" forName="iconRect" refType="w" fact="0.5"/>
+          <dgm:constr type="t" for="ch" forName="iconRect"/>
+          <dgm:constr type="h" for="ch" forName="spaceRect" refType="h" fact="0.15"/>
+          <dgm:constr type="w" for="ch" forName="spaceRect" refType="w"/>
+          <dgm:constr type="l" for="ch" forName="spaceRect"/>
+          <dgm:constr type="t" for="ch" forName="spaceRect" refType="b" refFor="ch" refForName="iconRect"/>
+          <dgm:constr type="h" for="ch" forName="textRect" val="20"/>
+          <dgm:constr type="w" for="ch" forName="textRect" refType="w"/>
+          <dgm:constr type="l" for="ch" forName="textRect"/>
+          <dgm:constr type="t" for="ch" forName="textRect" refType="b" refFor="ch" refForName="spaceRect"/>
+        </dgm:constrLst>
+        <dgm:ruleLst>
+          <dgm:rule type="h" val="INF" fact="NaN" max="NaN"/>
+        </dgm:ruleLst>
+        <dgm:layoutNode name="iconRect" styleLbl="node1">
+          <dgm:alg type="sp"/>
+          <dgm:shape xmlns:r="http://schemas.openxmlformats.org/officeDocument/2006/relationships" type="rect" r:blip="" blipPhldr="1">
+            <dgm:adjLst/>
+          </dgm:shape>
+          <dgm:presOf/>
+          <dgm:constrLst/>
+          <dgm:ruleLst/>
+        </dgm:layoutNode>
+        <dgm:layoutNode name="spaceRect">
+          <dgm:alg type="sp"/>
+          <dgm:shape xmlns:r="http://schemas.openxmlformats.org/officeDocument/2006/relationships" r:blip="">
+            <dgm:adjLst/>
+          </dgm:shape>
+          <dgm:presOf/>
+          <dgm:constrLst/>
+          <dgm:ruleLst/>
+        </dgm:layoutNode>
+        <dgm:layoutNode name="textRect" styleLbl="revTx">
+          <dgm:varLst>
+            <dgm:chMax val="1"/>
+            <dgm:chPref val="1"/>
+          </dgm:varLst>
+          <dgm:alg type="tx">
+            <dgm:param type="txAnchorVert" val="t"/>
+          </dgm:alg>
+          <dgm:shape xmlns:r="http://schemas.openxmlformats.org/officeDocument/2006/relationships" type="rect" r:blip="">
+            <dgm:adjLst/>
+          </dgm:shape>
+          <dgm:presOf axis="self" ptType="node"/>
+          <dgm:constrLst>
+            <dgm:constr type="lMarg"/>
+            <dgm:constr type="rMarg"/>
+            <dgm:constr type="tMarg"/>
+            <dgm:constr type="bMarg"/>
+          </dgm:constrLst>
+          <dgm:ruleLst>
+            <dgm:rule type="primFontSz" val="11" fact="NaN" max="NaN"/>
+            <dgm:rule type="h" val="INF" fact="NaN" max="NaN"/>
+          </dgm:ruleLst>
+        </dgm:layoutNode>
+      </dgm:layoutNode>
+      <dgm:forEach name="Name8" axis="followSib" ptType="sibTrans" cnt="1">
+        <dgm:layoutNode name="sibTrans">
+          <dgm:alg type="sp"/>
+          <dgm:shape xmlns:r="http://schemas.openxmlformats.org/officeDocument/2006/relationships" r:blip="">
+            <dgm:adjLst/>
+          </dgm:shape>
+          <dgm:presOf axis="self"/>
+          <dgm:constrLst/>
+          <dgm:ruleLst/>
+        </dgm:layoutNode>
+      </dgm:forEach>
+    </dgm:forEach>
+  </dgm:layoutNode>
+  <dgm:extLst>
+    <a:ext uri="{68A01E43-0DF5-4B5B-8FA6-DAF915123BFB}">
+      <dgm1612:lstStyle xmlns:dgm1612="http://schemas.microsoft.com/office/drawing/2016/12/diagram">
+        <a:lvl1pPr>
+          <a:lnSpc>
+            <a:spcPct val="100000"/>
+          </a:lnSpc>
+        </a:lvl1pPr>
+      </dgm1612:lstStyle>
+    </a:ext>
+  </dgm:extLst>
+</dgm:layoutDef>
+</file>
+
+<file path=ppt/diagrams/quickStyle1.xml><?xml version="1.0" encoding="utf-8"?>
+<dgm:styleDef xmlns:dgm="http://schemas.openxmlformats.org/drawingml/2006/diagram" xmlns:a="http://schemas.openxmlformats.org/drawingml/2006/main" uniqueId="urn:microsoft.com/office/officeart/2005/8/quickstyle/simple1">
+  <dgm:title val=""/>
+  <dgm:desc val=""/>
+  <dgm:catLst>
+    <dgm:cat type="simple" pri="10100"/>
+  </dgm:catLst>
+  <dgm:scene3d>
+    <a:camera prst="orthographicFront"/>
+    <a:lightRig rig="threePt" dir="t"/>
+  </dgm:scene3d>
+  <dgm:styleLbl name="node0">
+    <dgm:scene3d>
+      <a:camera prst="orthographicFront"/>
+      <a:lightRig rig="threePt" dir="t"/>
+    </dgm:scene3d>
+    <dgm:sp3d/>
+    <dgm:txPr/>
+    <dgm:style>
+      <a:lnRef idx="2">
+        <a:scrgbClr r="0" g="0" b="0"/>
+      </a:lnRef>
+      <a:fillRef idx="1">
+        <a:scrgbClr r="0" g="0" b="0"/>
+      </a:fillRef>
+      <a:effectRef idx="0">
+        <a:scrgbClr r="0" g="0" b="0"/>
+      </a:effectRef>
+      <a:fontRef idx="minor">
+        <a:schemeClr val="lt1"/>
+      </a:fontRef>
+    </dgm:style>
+  </dgm:styleLbl>
+  <dgm:styleLbl name="lnNode1">
+    <dgm:scene3d>
+      <a:camera prst="orthographicFront"/>
+      <a:lightRig rig="threePt" dir="t"/>
+    </dgm:scene3d>
+    <dgm:sp3d/>
+    <dgm:txPr/>
+    <dgm:style>
+      <a:lnRef idx="2">
+        <a:scrgbClr r="0" g="0" b="0"/>
+      </a:lnRef>
+      <a:fillRef idx="1">
+        <a:scrgbClr r="0" g="0" b="0"/>
+      </a:fillRef>
+      <a:effectRef idx="0">
+        <a:scrgbClr r="0" g="0" b="0"/>
+      </a:effectRef>
+      <a:fontRef idx="minor">
+        <a:schemeClr val="lt1"/>
+      </a:fontRef>
+    </dgm:style>
+  </dgm:styleLbl>
+  <dgm:styleLbl name="vennNode1">
+    <dgm:scene3d>
+      <a:camera prst="orthographicFront"/>
+      <a:lightRig rig="threePt" dir="t"/>
+    </dgm:scene3d>
+    <dgm:sp3d/>
+    <dgm:txPr/>
+    <dgm:style>
+      <a:lnRef idx="2">
+        <a:scrgbClr r="0" g="0" b="0"/>
+      </a:lnRef>
+      <a:fillRef idx="1">
+        <a:scrgbClr r="0" g="0" b="0"/>
+      </a:fillRef>
+      <a:effectRef idx="0">
+        <a:scrgbClr r="0" g="0" b="0"/>
+      </a:effectRef>
+      <a:fontRef idx="minor">
+        <a:schemeClr val="tx1"/>
+      </a:fontRef>
+    </dgm:style>
+  </dgm:styleLbl>
+  <dgm:styleLbl name="alignNode1">
+    <dgm:scene3d>
+      <a:camera prst="orthographicFront"/>
+      <a:lightRig rig="threePt" dir="t"/>
+    </dgm:scene3d>
+    <dgm:sp3d/>
+    <dgm:txPr/>
+    <dgm:style>
+      <a:lnRef idx="2">
+        <a:scrgbClr r="0" g="0" b="0"/>
+      </a:lnRef>
+      <a:fillRef idx="1">
+        <a:scrgbClr r="0" g="0" b="0"/>
+      </a:fillRef>
+      <a:effectRef idx="0">
+        <a:scrgbClr r="0" g="0" b="0"/>
+      </a:effectRef>
+      <a:fontRef idx="minor">
+        <a:schemeClr val="lt1"/>
+      </a:fontRef>
+    </dgm:style>
+  </dgm:styleLbl>
+  <dgm:styleLbl name="node1">
+    <dgm:scene3d>
+      <a:camera prst="orthographicFront"/>
+      <a:lightRig rig="threePt" dir="t"/>
+    </dgm:scene3d>
+    <dgm:sp3d/>
+    <dgm:txPr/>
+    <dgm:style>
+      <a:lnRef idx="2">
+        <a:scrgbClr r="0" g="0" b="0"/>
+      </a:lnRef>
+      <a:fillRef idx="1">
+        <a:scrgbClr r="0" g="0" b="0"/>
+      </a:fillRef>
+      <a:effectRef idx="0">
+        <a:scrgbClr r="0" g="0" b="0"/>
+      </a:effectRef>
+      <a:fontRef idx="minor">
+        <a:schemeClr val="lt1"/>
+      </a:fontRef>
+    </dgm:style>
+  </dgm:styleLbl>
+  <dgm:styleLbl name="node2">
+    <dgm:scene3d>
+      <a:camera prst="orthographicFront"/>
+      <a:lightRig rig="threePt" dir="t"/>
+    </dgm:scene3d>
+    <dgm:sp3d/>
+    <dgm:txPr/>
+    <dgm:style>
+      <a:lnRef idx="2">
+        <a:scrgbClr r="0" g="0" b="0"/>
+      </a:lnRef>
+      <a:fillRef idx="1">
+        <a:scrgbClr r="0" g="0" b="0"/>
+      </a:fillRef>
+      <a:effectRef idx="0">
+        <a:scrgbClr r="0" g="0" b="0"/>
+      </a:effectRef>
+      <a:fontRef idx="minor">
+        <a:schemeClr val="lt1"/>
+      </a:fontRef>
+    </dgm:style>
+  </dgm:styleLbl>
+  <dgm:styleLbl name="node3">
+    <dgm:scene3d>
+      <a:camera prst="orthographicFront"/>
+      <a:lightRig rig="threePt" dir="t"/>
+    </dgm:scene3d>
+    <dgm:sp3d/>
+    <dgm:txPr/>
+    <dgm:style>
+      <a:lnRef idx="2">
+        <a:scrgbClr r="0" g="0" b="0"/>
+      </a:lnRef>
+      <a:fillRef idx="1">
+        <a:scrgbClr r="0" g="0" b="0"/>
+      </a:fillRef>
+      <a:effectRef idx="0">
+        <a:scrgbClr r="0" g="0" b="0"/>
+      </a:effectRef>
+      <a:fontRef idx="minor">
+        <a:schemeClr val="lt1"/>
+      </a:fontRef>
+    </dgm:style>
+  </dgm:styleLbl>
+  <dgm:styleLbl name="node4">
+    <dgm:scene3d>
+      <a:camera prst="orthographicFront"/>
+      <a:lightRig rig="threePt" dir="t"/>
+    </dgm:scene3d>
+    <dgm:sp3d/>
+    <dgm:txPr/>
+    <dgm:style>
+      <a:lnRef idx="2">
+        <a:scrgbClr r="0" g="0" b="0"/>
+      </a:lnRef>
+      <a:fillRef idx="1">
+        <a:scrgbClr r="0" g="0" b="0"/>
+      </a:fillRef>
+      <a:effectRef idx="0">
+        <a:scrgbClr r="0" g="0" b="0"/>
+      </a:effectRef>
+      <a:fontRef idx="minor">
+        <a:schemeClr val="lt1"/>
+      </a:fontRef>
+    </dgm:style>
+  </dgm:styleLbl>
+  <dgm:styleLbl name="fgImgPlace1">
+    <dgm:scene3d>
+      <a:camera prst="orthographicFront"/>
+      <a:lightRig rig="threePt" dir="t"/>
+    </dgm:scene3d>
+    <dgm:sp3d/>
+    <dgm:txPr/>
+    <dgm:style>
+      <a:lnRef idx="2">
+        <a:scrgbClr r="0" g="0" b="0"/>
+      </a:lnRef>
+      <a:fillRef idx="1">
+        <a:scrgbClr r="0" g="0" b="0"/>
+      </a:fillRef>
+      <a:effectRef idx="0">
+        <a:scrgbClr r="0" g="0" b="0"/>
+      </a:effectRef>
+      <a:fontRef idx="minor"/>
+    </dgm:style>
+  </dgm:styleLbl>
+  <dgm:styleLbl name="alignImgPlace1">
+    <dgm:scene3d>
+      <a:camera prst="orthographicFront"/>
+      <a:lightRig rig="threePt" dir="t"/>
+    </dgm:scene3d>
+    <dgm:sp3d/>
+    <dgm:txPr/>
+    <dgm:style>
+      <a:lnRef idx="2">
+        <a:scrgbClr r="0" g="0" b="0"/>
+      </a:lnRef>
+      <a:fillRef idx="1">
+        <a:scrgbClr r="0" g="0" b="0"/>
+      </a:fillRef>
+      <a:effectRef idx="0">
+        <a:scrgbClr r="0" g="0" b="0"/>
+      </a:effectRef>
+      <a:fontRef idx="minor"/>
+    </dgm:style>
+  </dgm:styleLbl>
+  <dgm:styleLbl name="bgImgPlace1">
+    <dgm:scene3d>
+      <a:camera prst="orthographicFront"/>
+      <a:lightRig rig="threePt" dir="t"/>
+    </dgm:scene3d>
+    <dgm:sp3d/>
+    <dgm:txPr/>
+    <dgm:style>
+      <a:lnRef idx="2">
+        <a:scrgbClr r="0" g="0" b="0"/>
+      </a:lnRef>
+      <a:fillRef idx="1">
+        <a:scrgbClr r="0" g="0" b="0"/>
+      </a:fillRef>
+      <a:effectRef idx="0">
+        <a:scrgbClr r="0" g="0" b="0"/>
+      </a:effectRef>
+      <a:fontRef idx="minor"/>
+    </dgm:style>
+  </dgm:styleLbl>
+  <dgm:styleLbl name="sibTrans2D1">
+    <dgm:scene3d>
+      <a:camera prst="orthographicFront"/>
+      <a:lightRig rig="threePt" dir="t"/>
+    </dgm:scene3d>
+    <dgm:sp3d/>
+    <dgm:txPr/>
+    <dgm:style>
+      <a:lnRef idx="0">
+        <a:scrgbClr r="0" g="0" b="0"/>
+      </a:lnRef>
+      <a:fillRef idx="1">
+        <a:scrgbClr r="0" g="0" b="0"/>
+      </a:fillRef>
+      <a:effectRef idx="0">
+        <a:scrgbClr r="0" g="0" b="0"/>
+      </a:effectRef>
+      <a:fontRef idx="minor">
+        <a:schemeClr val="lt1"/>
+      </a:fontRef>
+    </dgm:style>
+  </dgm:styleLbl>
+  <dgm:styleLbl name="fgSibTrans2D1">
+    <dgm:scene3d>
+      <a:camera prst="orthographicFront"/>
+      <a:lightRig rig="threePt" dir="t"/>
+    </dgm:scene3d>
+    <dgm:sp3d/>
+    <dgm:txPr/>
+    <dgm:style>
+      <a:lnRef idx="0">
+        <a:scrgbClr r="0" g="0" b="0"/>
+      </a:lnRef>
+      <a:fillRef idx="1">
+        <a:scrgbClr r="0" g="0" b="0"/>
+      </a:fillRef>
+      <a:effectRef idx="0">
+        <a:scrgbClr r="0" g="0" b="0"/>
+      </a:effectRef>
+      <a:fontRef idx="minor">
+        <a:schemeClr val="lt1"/>
+      </a:fontRef>
+    </dgm:style>
+  </dgm:styleLbl>
+  <dgm:styleLbl name="bgSibTrans2D1">
+    <dgm:scene3d>
+      <a:camera prst="orthographicFront"/>
+      <a:lightRig rig="threePt" dir="t"/>
+    </dgm:scene3d>
+    <dgm:sp3d/>
+    <dgm:txPr/>
+    <dgm:style>
+      <a:lnRef idx="0">
+        <a:scrgbClr r="0" g="0" b="0"/>
+      </a:lnRef>
+      <a:fillRef idx="1">
+        <a:scrgbClr r="0" g="0" b="0"/>
+      </a:fillRef>
+      <a:effectRef idx="0">
+        <a:scrgbClr r="0" g="0" b="0"/>
+      </a:effectRef>
+      <a:fontRef idx="minor">
+        <a:schemeClr val="lt1"/>
+      </a:fontRef>
+    </dgm:style>
+  </dgm:styleLbl>
+  <dgm:styleLbl name="sibTrans1D1">
+    <dgm:scene3d>
+      <a:camera prst="orthographicFront"/>
+      <a:lightRig rig="threePt" dir="t"/>
+    </dgm:scene3d>
+    <dgm:sp3d/>
+    <dgm:txPr/>
+    <dgm:style>
+      <a:lnRef idx="1">
+        <a:scrgbClr r="0" g="0" b="0"/>
+      </a:lnRef>
+      <a:fillRef idx="0">
+        <a:scrgbClr r="0" g="0" b="0"/>
+      </a:fillRef>
+      <a:effectRef idx="0">
+        <a:scrgbClr r="0" g="0" b="0"/>
+      </a:effectRef>
+      <a:fontRef idx="minor"/>
+    </dgm:style>
+  </dgm:styleLbl>
+  <dgm:styleLbl name="callout">
+    <dgm:scene3d>
+      <a:camera prst="orthographicFront"/>
+      <a:lightRig rig="threePt" dir="t"/>
+    </dgm:scene3d>
+    <dgm:sp3d/>
+    <dgm:txPr/>
+    <dgm:style>
+      <a:lnRef idx="2">
+        <a:scrgbClr r="0" g="0" b="0"/>
+      </a:lnRef>
+      <a:fillRef idx="1">
+        <a:scrgbClr r="0" g="0" b="0"/>
+      </a:fillRef>
+      <a:effectRef idx="0">
+        <a:scrgbClr r="0" g="0" b="0"/>
+      </a:effectRef>
+      <a:fontRef idx="minor"/>
+    </dgm:style>
+  </dgm:styleLbl>
+  <dgm:styleLbl name="asst0">
+    <dgm:scene3d>
+      <a:camera prst="orthographicFront"/>
+      <a:lightRig rig="threePt" dir="t"/>
+    </dgm:scene3d>
+    <dgm:sp3d/>
+    <dgm:txPr/>
+    <dgm:style>
+      <a:lnRef idx="2">
+        <a:scrgbClr r="0" g="0" b="0"/>
+      </a:lnRef>
+      <a:fillRef idx="1">
+        <a:scrgbClr r="0" g="0" b="0"/>
+      </a:fillRef>
+      <a:effectRef idx="0">
+        <a:scrgbClr r="0" g="0" b="0"/>
+      </a:effectRef>
+      <a:fontRef idx="minor">
+        <a:schemeClr val="lt1"/>
+      </a:fontRef>
+    </dgm:style>
+  </dgm:styleLbl>
+  <dgm:styleLbl name="asst1">
+    <dgm:scene3d>
+      <a:camera prst="orthographicFront"/>
+      <a:lightRig rig="threePt" dir="t"/>
+    </dgm:scene3d>
+    <dgm:sp3d/>
+    <dgm:txPr/>
+    <dgm:style>
+      <a:lnRef idx="2">
+        <a:scrgbClr r="0" g="0" b="0"/>
+      </a:lnRef>
+      <a:fillRef idx="1">
+        <a:scrgbClr r="0" g="0" b="0"/>
+      </a:fillRef>
+      <a:effectRef idx="0">
+        <a:scrgbClr r="0" g="0" b="0"/>
+      </a:effectRef>
+      <a:fontRef idx="minor">
+        <a:schemeClr val="lt1"/>
+      </a:fontRef>
+    </dgm:style>
+  </dgm:styleLbl>
+  <dgm:styleLbl name="asst2">
+    <dgm:scene3d>
+      <a:camera prst="orthographicFront"/>
+      <a:lightRig rig="threePt" dir="t"/>
+    </dgm:scene3d>
+    <dgm:sp3d/>
+    <dgm:txPr/>
+    <dgm:style>
+      <a:lnRef idx="2">
+        <a:scrgbClr r="0" g="0" b="0"/>
+      </a:lnRef>
+      <a:fillRef idx="1">
+        <a:scrgbClr r="0" g="0" b="0"/>
+      </a:fillRef>
+      <a:effectRef idx="0">
+        <a:scrgbClr r="0" g="0" b="0"/>
+      </a:effectRef>
+      <a:fontRef idx="minor">
+        <a:schemeClr val="lt1"/>
+      </a:fontRef>
+    </dgm:style>
+  </dgm:styleLbl>
+  <dgm:styleLbl name="asst3">
+    <dgm:scene3d>
+      <a:camera prst="orthographicFront"/>
+      <a:lightRig rig="threePt" dir="t"/>
+    </dgm:scene3d>
+    <dgm:sp3d/>
+    <dgm:txPr/>
+    <dgm:style>
+      <a:lnRef idx="2">
+        <a:scrgbClr r="0" g="0" b="0"/>
+      </a:lnRef>
+      <a:fillRef idx="1">
+        <a:scrgbClr r="0" g="0" b="0"/>
+      </a:fillRef>
+      <a:effectRef idx="0">
+        <a:scrgbClr r="0" g="0" b="0"/>
+      </a:effectRef>
+      <a:fontRef idx="minor">
+        <a:schemeClr val="lt1"/>
+      </a:fontRef>
+    </dgm:style>
+  </dgm:styleLbl>
+  <dgm:styleLbl name="asst4">
+    <dgm:scene3d>
+      <a:camera prst="orthographicFront"/>
+      <a:lightRig rig="threePt" dir="t"/>
+    </dgm:scene3d>
+    <dgm:sp3d/>
+    <dgm:txPr/>
+    <dgm:style>
+      <a:lnRef idx="2">
+        <a:scrgbClr r="0" g="0" b="0"/>
+      </a:lnRef>
+      <a:fillRef idx="1">
+        <a:scrgbClr r="0" g="0" b="0"/>
+      </a:fillRef>
+      <a:effectRef idx="0">
+        <a:scrgbClr r="0" g="0" b="0"/>
+      </a:effectRef>
+      <a:fontRef idx="minor">
+        <a:schemeClr val="lt1"/>
+      </a:fontRef>
+    </dgm:style>
+  </dgm:styleLbl>
+  <dgm:styleLbl name="parChTrans2D1">
+    <dgm:scene3d>
+      <a:camera prst="orthographicFront"/>
+      <a:lightRig rig="threePt" dir="t"/>
+    </dgm:scene3d>
+    <dgm:sp3d/>
+    <dgm:txPr/>
+    <dgm:style>
+      <a:lnRef idx="2">
+        <a:scrgbClr r="0" g="0" b="0"/>
+      </a:lnRef>
+      <a:fillRef idx="1">
+        <a:scrgbClr r="0" g="0" b="0"/>
+      </a:fillRef>
+      <a:effectRef idx="0">
+        <a:scrgbClr r="0" g="0" b="0"/>
+      </a:effectRef>
+      <a:fontRef idx="minor">
+        <a:schemeClr val="lt1"/>
+      </a:fontRef>
+    </dgm:style>
+  </dgm:styleLbl>
+  <dgm:styleLbl name="parChTrans2D2">
+    <dgm:scene3d>
+      <a:camera prst="orthographicFront"/>
+      <a:lightRig rig="threePt" dir="t"/>
+    </dgm:scene3d>
+    <dgm:sp3d/>
+    <dgm:txPr/>
+    <dgm:style>
+      <a:lnRef idx="2">
+        <a:scrgbClr r="0" g="0" b="0"/>
+      </a:lnRef>
+      <a:fillRef idx="1">
+        <a:scrgbClr r="0" g="0" b="0"/>
+      </a:fillRef>
+      <a:effectRef idx="0">
+        <a:scrgbClr r="0" g="0" b="0"/>
+      </a:effectRef>
+      <a:fontRef idx="minor">
+        <a:schemeClr val="lt1"/>
+      </a:fontRef>
+    </dgm:style>
+  </dgm:styleLbl>
+  <dgm:styleLbl name="parChTrans2D3">
+    <dgm:scene3d>
+      <a:camera prst="orthographicFront"/>
+      <a:lightRig rig="threePt" dir="t"/>
+    </dgm:scene3d>
+    <dgm:sp3d/>
+    <dgm:txPr/>
+    <dgm:style>
+      <a:lnRef idx="2">
+        <a:scrgbClr r="0" g="0" b="0"/>
+      </a:lnRef>
+      <a:fillRef idx="1">
+        <a:scrgbClr r="0" g="0" b="0"/>
+      </a:fillRef>
+      <a:effectRef idx="0">
+        <a:scrgbClr r="0" g="0" b="0"/>
+      </a:effectRef>
+      <a:fontRef idx="minor">
+        <a:schemeClr val="lt1"/>
+      </a:fontRef>
+    </dgm:style>
+  </dgm:styleLbl>
+  <dgm:styleLbl name="parChTrans2D4">
+    <dgm:scene3d>
+      <a:camera prst="orthographicFront"/>
+      <a:lightRig rig="threePt" dir="t"/>
+    </dgm:scene3d>
+    <dgm:sp3d/>
+    <dgm:txPr/>
+    <dgm:style>
+      <a:lnRef idx="2">
+        <a:scrgbClr r="0" g="0" b="0"/>
+      </a:lnRef>
+      <a:fillRef idx="1">
+        <a:scrgbClr r="0" g="0" b="0"/>
+      </a:fillRef>
+      <a:effectRef idx="0">
+        <a:scrgbClr r="0" g="0" b="0"/>
+      </a:effectRef>
+      <a:fontRef idx="minor">
+        <a:schemeClr val="lt1"/>
+      </a:fontRef>
+    </dgm:style>
+  </dgm:styleLbl>
+  <dgm:styleLbl name="parChTrans1D1">
+    <dgm:scene3d>
+      <a:camera prst="orthographicFront"/>
+      <a:lightRig rig="threePt" dir="t"/>
+    </dgm:scene3d>
+    <dgm:sp3d/>
+    <dgm:txPr/>
+    <dgm:style>
+      <a:lnRef idx="2">
+        <a:scrgbClr r="0" g="0" b="0"/>
+      </a:lnRef>
+      <a:fillRef idx="0">
+        <a:scrgbClr r="0" g="0" b="0"/>
+      </a:fillRef>
+      <a:effectRef idx="0">
+        <a:scrgbClr r="0" g="0" b="0"/>
+      </a:effectRef>
+      <a:fontRef idx="minor"/>
+    </dgm:style>
+  </dgm:styleLbl>
+  <dgm:styleLbl name="parChTrans1D2">
+    <dgm:scene3d>
+      <a:camera prst="orthographicFront"/>
+      <a:lightRig rig="threePt" dir="t"/>
+    </dgm:scene3d>
+    <dgm:sp3d/>
+    <dgm:txPr/>
+    <dgm:style>
+      <a:lnRef idx="2">
+        <a:scrgbClr r="0" g="0" b="0"/>
+      </a:lnRef>
+      <a:fillRef idx="0">
+        <a:scrgbClr r="0" g="0" b="0"/>
+      </a:fillRef>
+      <a:effectRef idx="0">
+        <a:scrgbClr r="0" g="0" b="0"/>
+      </a:effectRef>
+      <a:fontRef idx="minor"/>
+    </dgm:style>
+  </dgm:styleLbl>
+  <dgm:styleLbl name="parChTrans1D3">
+    <dgm:scene3d>
+      <a:camera prst="orthographicFront"/>
+      <a:lightRig rig="threePt" dir="t"/>
+    </dgm:scene3d>
+    <dgm:sp3d/>
+    <dgm:txPr/>
+    <dgm:style>
+      <a:lnRef idx="2">
+        <a:scrgbClr r="0" g="0" b="0"/>
+      </a:lnRef>
+      <a:fillRef idx="0">
+        <a:scrgbClr r="0" g="0" b="0"/>
+      </a:fillRef>
+      <a:effectRef idx="0">
+        <a:scrgbClr r="0" g="0" b="0"/>
+      </a:effectRef>
+      <a:fontRef idx="minor"/>
+    </dgm:style>
+  </dgm:styleLbl>
+  <dgm:styleLbl name="parChTrans1D4">
+    <dgm:scene3d>
+      <a:camera prst="orthographicFront"/>
+      <a:lightRig rig="threePt" dir="t"/>
+    </dgm:scene3d>
+    <dgm:sp3d/>
+    <dgm:txPr/>
+    <dgm:style>
+      <a:lnRef idx="2">
+        <a:scrgbClr r="0" g="0" b="0"/>
+      </a:lnRef>
+      <a:fillRef idx="0">
+        <a:scrgbClr r="0" g="0" b="0"/>
+      </a:fillRef>
+      <a:effectRef idx="0">
+        <a:scrgbClr r="0" g="0" b="0"/>
+      </a:effectRef>
+      <a:fontRef idx="minor"/>
+    </dgm:style>
+  </dgm:styleLbl>
+  <dgm:styleLbl name="fgAcc1">
+    <dgm:scene3d>
+      <a:camera prst="orthographicFront"/>
+      <a:lightRig rig="threePt" dir="t"/>
+    </dgm:scene3d>
+    <dgm:sp3d/>
+    <dgm:txPr/>
+    <dgm:style>
+      <a:lnRef idx="2">
+        <a:scrgbClr r="0" g="0" b="0"/>
+      </a:lnRef>
+      <a:fillRef idx="1">
+        <a:scrgbClr r="0" g="0" b="0"/>
+      </a:fillRef>
+      <a:effectRef idx="0">
+        <a:scrgbClr r="0" g="0" b="0"/>
+      </a:effectRef>
+      <a:fontRef idx="minor"/>
+    </dgm:style>
+  </dgm:styleLbl>
+  <dgm:styleLbl name="conFgAcc1">
+    <dgm:scene3d>
+      <a:camera prst="orthographicFront"/>
+      <a:lightRig rig="threePt" dir="t"/>
+    </dgm:scene3d>
+    <dgm:sp3d/>
+    <dgm:txPr/>
+    <dgm:style>
+      <a:lnRef idx="2">
+        <a:scrgbClr r="0" g="0" b="0"/>
+      </a:lnRef>
+      <a:fillRef idx="1">
+        <a:scrgbClr r="0" g="0" b="0"/>
+      </a:fillRef>
+      <a:effectRef idx="0">
+        <a:scrgbClr r="0" g="0" b="0"/>
+      </a:effectRef>
+      <a:fontRef idx="minor"/>
+    </dgm:style>
+  </dgm:styleLbl>
+  <dgm:styleLbl name="alignAcc1">
+    <dgm:scene3d>
+      <a:camera prst="orthographicFront"/>
+      <a:lightRig rig="threePt" dir="t"/>
+    </dgm:scene3d>
+    <dgm:sp3d/>
+    <dgm:txPr/>
+    <dgm:style>
+      <a:lnRef idx="2">
+        <a:scrgbClr r="0" g="0" b="0"/>
+      </a:lnRef>
+      <a:fillRef idx="1">
+        <a:scrgbClr r="0" g="0" b="0"/>
+      </a:fillRef>
+      <a:effectRef idx="0">
+        <a:scrgbClr r="0" g="0" b="0"/>
+      </a:effectRef>
+      <a:fontRef idx="minor"/>
+    </dgm:style>
+  </dgm:styleLbl>
+  <dgm:styleLbl name="trAlignAcc1">
+    <dgm:scene3d>
+      <a:camera prst="orthographicFront"/>
+      <a:lightRig rig="threePt" dir="t"/>
+    </dgm:scene3d>
+    <dgm:sp3d/>
+    <dgm:txPr/>
+    <dgm:style>
+      <a:lnRef idx="1">
+        <a:scrgbClr r="0" g="0" b="0"/>
+      </a:lnRef>
+      <a:fillRef idx="1">
+        <a:scrgbClr r="0" g="0" b="0"/>
+      </a:fillRef>
+      <a:effectRef idx="0">
+        <a:scrgbClr r="0" g="0" b="0"/>
+      </a:effectRef>
+      <a:fontRef idx="minor"/>
+    </dgm:style>
+  </dgm:styleLbl>
+  <dgm:styleLbl name="bgAcc1">
+    <dgm:scene3d>
+      <a:camera prst="orthographicFront"/>
+      <a:lightRig rig="threePt" dir="t"/>
+    </dgm:scene3d>
+    <dgm:sp3d/>
+    <dgm:txPr/>
+    <dgm:style>
+      <a:lnRef idx="2">
+        <a:scrgbClr r="0" g="0" b="0"/>
+      </a:lnRef>
+      <a:fillRef idx="1">
+        <a:scrgbClr r="0" g="0" b="0"/>
+      </a:fillRef>
+      <a:effectRef idx="0">
+        <a:scrgbClr r="0" g="0" b="0"/>
+      </a:effectRef>
+      <a:fontRef idx="minor"/>
+    </dgm:style>
+  </dgm:styleLbl>
+  <dgm:styleLbl name="solidFgAcc1">
+    <dgm:scene3d>
+      <a:camera prst="orthographicFront"/>
+      <a:lightRig rig="threePt" dir="t"/>
+    </dgm:scene3d>
+    <dgm:sp3d/>
+    <dgm:txPr/>
+    <dgm:style>
+      <a:lnRef idx="2">
+        <a:scrgbClr r="0" g="0" b="0"/>
+      </a:lnRef>
+      <a:fillRef idx="1">
+        <a:scrgbClr r="0" g="0" b="0"/>
+      </a:fillRef>
+      <a:effectRef idx="0">
+        <a:scrgbClr r="0" g="0" b="0"/>
+      </a:effectRef>
+      <a:fontRef idx="minor"/>
+    </dgm:style>
+  </dgm:styleLbl>
+  <dgm:styleLbl name="solidAlignAcc1">
+    <dgm:scene3d>
+      <a:camera prst="orthographicFront"/>
+      <a:lightRig rig="threePt" dir="t"/>
+    </dgm:scene3d>
+    <dgm:sp3d/>
+    <dgm:txPr/>
+    <dgm:style>
+      <a:lnRef idx="2">
+        <a:scrgbClr r="0" g="0" b="0"/>
+      </a:lnRef>
+      <a:fillRef idx="1">
+        <a:scrgbClr r="0" g="0" b="0"/>
+      </a:fillRef>
+      <a:effectRef idx="0">
+        <a:scrgbClr r="0" g="0" b="0"/>
+      </a:effectRef>
+      <a:fontRef idx="minor"/>
+    </dgm:style>
+  </dgm:styleLbl>
+  <dgm:styleLbl name="solidBgAcc1">
+    <dgm:scene3d>
+      <a:camera prst="orthographicFront"/>
+      <a:lightRig rig="threePt" dir="t"/>
+    </dgm:scene3d>
+    <dgm:sp3d/>
+    <dgm:txPr/>
+    <dgm:style>
+      <a:lnRef idx="2">
+        <a:scrgbClr r="0" g="0" b="0"/>
+      </a:lnRef>
+      <a:fillRef idx="1">
+        <a:scrgbClr r="0" g="0" b="0"/>
+      </a:fillRef>
+      <a:effectRef idx="0">
+        <a:scrgbClr r="0" g="0" b="0"/>
+      </a:effectRef>
+      <a:fontRef idx="minor"/>
+    </dgm:style>
+  </dgm:styleLbl>
+  <dgm:styleLbl name="fgAccFollowNode1">
+    <dgm:scene3d>
+      <a:camera prst="orthographicFront"/>
+      <a:lightRig rig="threePt" dir="t"/>
+    </dgm:scene3d>
+    <dgm:sp3d/>
+    <dgm:txPr/>
+    <dgm:style>
+      <a:lnRef idx="2">
+        <a:scrgbClr r="0" g="0" b="0"/>
+      </a:lnRef>
+      <a:fillRef idx="1">
+        <a:scrgbClr r="0" g="0" b="0"/>
+      </a:fillRef>
+      <a:effectRef idx="0">
+        <a:scrgbClr r="0" g="0" b="0"/>
+      </a:effectRef>
+      <a:fontRef idx="minor"/>
+    </dgm:style>
+  </dgm:styleLbl>
+  <dgm:styleLbl name="alignAccFollowNode1">
+    <dgm:scene3d>
+      <a:camera prst="orthographicFront"/>
+      <a:lightRig rig="threePt" dir="t"/>
+    </dgm:scene3d>
+    <dgm:sp3d/>
+    <dgm:txPr/>
+    <dgm:style>
+      <a:lnRef idx="2">
+        <a:scrgbClr r="0" g="0" b="0"/>
+      </a:lnRef>
+      <a:fillRef idx="1">
+        <a:scrgbClr r="0" g="0" b="0"/>
+      </a:fillRef>
+      <a:effectRef idx="0">
+        <a:scrgbClr r="0" g="0" b="0"/>
+      </a:effectRef>
+      <a:fontRef idx="minor"/>
+    </dgm:style>
+  </dgm:styleLbl>
+  <dgm:styleLbl name="bgAccFollowNode1">
+    <dgm:scene3d>
+      <a:camera prst="orthographicFront"/>
+      <a:lightRig rig="threePt" dir="t"/>
+    </dgm:scene3d>
+    <dgm:sp3d/>
+    <dgm:txPr/>
+    <dgm:style>
+      <a:lnRef idx="2">
+        <a:scrgbClr r="0" g="0" b="0"/>
+      </a:lnRef>
+      <a:fillRef idx="1">
+        <a:scrgbClr r="0" g="0" b="0"/>
+      </a:fillRef>
+      <a:effectRef idx="0">
+        <a:scrgbClr r="0" g="0" b="0"/>
+      </a:effectRef>
+      <a:fontRef idx="minor"/>
+    </dgm:style>
+  </dgm:styleLbl>
+  <dgm:styleLbl name="fgAcc0">
+    <dgm:scene3d>
+      <a:camera prst="orthographicFront"/>
+      <a:lightRig rig="threePt" dir="t"/>
+    </dgm:scene3d>
+    <dgm:sp3d/>
+    <dgm:txPr/>
+    <dgm:style>
+      <a:lnRef idx="2">
+        <a:scrgbClr r="0" g="0" b="0"/>
+      </a:lnRef>
+      <a:fillRef idx="1">
+        <a:scrgbClr r="0" g="0" b="0"/>
+      </a:fillRef>
+      <a:effectRef idx="0">
+        <a:scrgbClr r="0" g="0" b="0"/>
+      </a:effectRef>
+      <a:fontRef idx="minor"/>
+    </dgm:style>
+  </dgm:styleLbl>
+  <dgm:styleLbl name="fgAcc2">
+    <dgm:scene3d>
+      <a:camera prst="orthographicFront"/>
+      <a:lightRig rig="threePt" dir="t"/>
+    </dgm:scene3d>
+    <dgm:sp3d/>
+    <dgm:txPr/>
+    <dgm:style>
+      <a:lnRef idx="2">
+        <a:scrgbClr r="0" g="0" b="0"/>
+      </a:lnRef>
+      <a:fillRef idx="1">
+        <a:scrgbClr r="0" g="0" b="0"/>
+      </a:fillRef>
+      <a:effectRef idx="0">
+        <a:scrgbClr r="0" g="0" b="0"/>
+      </a:effectRef>
+      <a:fontRef idx="minor"/>
+    </dgm:style>
+  </dgm:styleLbl>
+  <dgm:styleLbl name="fgAcc3">
+    <dgm:scene3d>
+      <a:camera prst="orthographicFront"/>
+      <a:lightRig rig="threePt" dir="t"/>
+    </dgm:scene3d>
+    <dgm:sp3d/>
+    <dgm:txPr/>
+    <dgm:style>
+      <a:lnRef idx="2">
+        <a:scrgbClr r="0" g="0" b="0"/>
+      </a:lnRef>
+      <a:fillRef idx="1">
+        <a:scrgbClr r="0" g="0" b="0"/>
+      </a:fillRef>
+      <a:effectRef idx="0">
+        <a:scrgbClr r="0" g="0" b="0"/>
+      </a:effectRef>
+      <a:fontRef idx="minor"/>
+    </dgm:style>
+  </dgm:styleLbl>
+  <dgm:styleLbl name="fgAcc4">
+    <dgm:scene3d>
+      <a:camera prst="orthographicFront"/>
+      <a:lightRig rig="threePt" dir="t"/>
+    </dgm:scene3d>
+    <dgm:sp3d/>
+    <dgm:txPr/>
+    <dgm:style>
+      <a:lnRef idx="2">
+        <a:scrgbClr r="0" g="0" b="0"/>
+      </a:lnRef>
+      <a:fillRef idx="1">
+        <a:scrgbClr r="0" g="0" b="0"/>
+      </a:fillRef>
+      <a:effectRef idx="0">
+        <a:scrgbClr r="0" g="0" b="0"/>
+      </a:effectRef>
+      <a:fontRef idx="minor"/>
+    </dgm:style>
+  </dgm:styleLbl>
+  <dgm:styleLbl name="bgShp">
+    <dgm:scene3d>
+      <a:camera prst="orthographicFront"/>
+      <a:lightRig rig="threePt" dir="t"/>
+    </dgm:scene3d>
+    <dgm:sp3d/>
+    <dgm:txPr/>
+    <dgm:style>
+      <a:lnRef idx="0">
+        <a:scrgbClr r="0" g="0" b="0"/>
+      </a:lnRef>
+      <a:fillRef idx="1">
+        <a:scrgbClr r="0" g="0" b="0"/>
+      </a:fillRef>
+      <a:effectRef idx="0">
+        <a:scrgbClr r="0" g="0" b="0"/>
+      </a:effectRef>
+      <a:fontRef idx="minor"/>
+    </dgm:style>
+  </dgm:styleLbl>
+  <dgm:styleLbl name="dkBgShp">
+    <dgm:scene3d>
+      <a:camera prst="orthographicFront"/>
+      <a:lightRig rig="threePt" dir="t"/>
+    </dgm:scene3d>
+    <dgm:sp3d/>
+    <dgm:txPr/>
+    <dgm:style>
+      <a:lnRef idx="0">
+        <a:scrgbClr r="0" g="0" b="0"/>
+      </a:lnRef>
+      <a:fillRef idx="1">
+        <a:scrgbClr r="0" g="0" b="0"/>
+      </a:fillRef>
+      <a:effectRef idx="0">
+        <a:scrgbClr r="0" g="0" b="0"/>
+      </a:effectRef>
+      <a:fontRef idx="minor"/>
+    </dgm:style>
+  </dgm:styleLbl>
+  <dgm:styleLbl name="trBgShp">
+    <dgm:scene3d>
+      <a:camera prst="orthographicFront"/>
+      <a:lightRig rig="threePt" dir="t"/>
+    </dgm:scene3d>
+    <dgm:sp3d/>
+    <dgm:txPr/>
+    <dgm:style>
+      <a:lnRef idx="0">
+        <a:scrgbClr r="0" g="0" b="0"/>
+      </a:lnRef>
+      <a:fillRef idx="1">
+        <a:scrgbClr r="0" g="0" b="0"/>
+      </a:fillRef>
+      <a:effectRef idx="0">
+        <a:scrgbClr r="0" g="0" b="0"/>
+      </a:effectRef>
+      <a:fontRef idx="minor"/>
+    </dgm:style>
+  </dgm:styleLbl>
+  <dgm:styleLbl name="fgShp">
+    <dgm:scene3d>
+      <a:camera prst="orthographicFront"/>
+      <a:lightRig rig="threePt" dir="t"/>
+    </dgm:scene3d>
+    <dgm:sp3d/>
+    <dgm:txPr/>
+    <dgm:style>
+      <a:lnRef idx="2">
+        <a:scrgbClr r="0" g="0" b="0"/>
+      </a:lnRef>
+      <a:fillRef idx="1">
+        <a:scrgbClr r="0" g="0" b="0"/>
+      </a:fillRef>
+      <a:effectRef idx="0">
+        <a:scrgbClr r="0" g="0" b="0"/>
+      </a:effectRef>
+      <a:fontRef idx="minor"/>
+    </dgm:style>
+  </dgm:styleLbl>
+  <dgm:styleLbl name="revTx">
+    <dgm:scene3d>
+      <a:camera prst="orthographicFront"/>
+      <a:lightRig rig="threePt" dir="t"/>
+    </dgm:scene3d>
+    <dgm:sp3d/>
+    <dgm:txPr/>
+    <dgm:style>
+      <a:lnRef idx="0">
+        <a:scrgbClr r="0" g="0" b="0"/>
+      </a:lnRef>
+      <a:fillRef idx="0">
+        <a:scrgbClr r="0" g="0" b="0"/>
+      </a:fillRef>
+      <a:effectRef idx="0">
+        <a:scrgbClr r="0" g="0" b="0"/>
+      </a:effectRef>
+      <a:fontRef idx="minor"/>
+    </dgm:style>
+  </dgm:styleLbl>
+</dgm:styleDef>
+</file>
+
 <file path=ppt/slideLayouts/slideLayout1.xml><?xml version="1.0" encoding="utf-8"?>
 <p:sldLayout xmlns:a="http://schemas.openxmlformats.org/drawingml/2006/main" xmlns:r="http://schemas.openxmlformats.org/officeDocument/2006/relationships" xmlns:p="http://schemas.openxmlformats.org/presentationml/2006/main" type="title" preserve="1">
   <p:cSld name="שקופית כותרת">
@@ -266,7 +3376,7 @@
           <a:p>
             <a:fld id="{90DB2465-284A-49DF-85DD-813E0F1EDDC9}" type="datetimeFigureOut">
               <a:rPr lang="he-IL" smtClean="0"/>
-              <a:t>ח'/תמוז/תשפ"ד</a:t>
+              <a:t>ט'/תמוז/תשפ"ד</a:t>
             </a:fld>
             <a:endParaRPr lang="he-IL"/>
           </a:p>
@@ -464,7 +3574,7 @@
           <a:p>
             <a:fld id="{90DB2465-284A-49DF-85DD-813E0F1EDDC9}" type="datetimeFigureOut">
               <a:rPr lang="he-IL" smtClean="0"/>
-              <a:t>ח'/תמוז/תשפ"ד</a:t>
+              <a:t>ט'/תמוז/תשפ"ד</a:t>
             </a:fld>
             <a:endParaRPr lang="he-IL"/>
           </a:p>
@@ -672,7 +3782,7 @@
           <a:p>
             <a:fld id="{90DB2465-284A-49DF-85DD-813E0F1EDDC9}" type="datetimeFigureOut">
               <a:rPr lang="he-IL" smtClean="0"/>
-              <a:t>ח'/תמוז/תשפ"ד</a:t>
+              <a:t>ט'/תמוז/תשפ"ד</a:t>
             </a:fld>
             <a:endParaRPr lang="he-IL"/>
           </a:p>
@@ -870,7 +3980,7 @@
           <a:p>
             <a:fld id="{90DB2465-284A-49DF-85DD-813E0F1EDDC9}" type="datetimeFigureOut">
               <a:rPr lang="he-IL" smtClean="0"/>
-              <a:t>ח'/תמוז/תשפ"ד</a:t>
+              <a:t>ט'/תמוז/תשפ"ד</a:t>
             </a:fld>
             <a:endParaRPr lang="he-IL"/>
           </a:p>
@@ -1145,7 +4255,7 @@
           <a:p>
             <a:fld id="{90DB2465-284A-49DF-85DD-813E0F1EDDC9}" type="datetimeFigureOut">
               <a:rPr lang="he-IL" smtClean="0"/>
-              <a:t>ח'/תמוז/תשפ"ד</a:t>
+              <a:t>ט'/תמוז/תשפ"ד</a:t>
             </a:fld>
             <a:endParaRPr lang="he-IL"/>
           </a:p>
@@ -1410,7 +4520,7 @@
           <a:p>
             <a:fld id="{90DB2465-284A-49DF-85DD-813E0F1EDDC9}" type="datetimeFigureOut">
               <a:rPr lang="he-IL" smtClean="0"/>
-              <a:t>ח'/תמוז/תשפ"ד</a:t>
+              <a:t>ט'/תמוז/תשפ"ד</a:t>
             </a:fld>
             <a:endParaRPr lang="he-IL"/>
           </a:p>
@@ -1822,7 +4932,7 @@
           <a:p>
             <a:fld id="{90DB2465-284A-49DF-85DD-813E0F1EDDC9}" type="datetimeFigureOut">
               <a:rPr lang="he-IL" smtClean="0"/>
-              <a:t>ח'/תמוז/תשפ"ד</a:t>
+              <a:t>ט'/תמוז/תשפ"ד</a:t>
             </a:fld>
             <a:endParaRPr lang="he-IL"/>
           </a:p>
@@ -1963,7 +5073,7 @@
           <a:p>
             <a:fld id="{90DB2465-284A-49DF-85DD-813E0F1EDDC9}" type="datetimeFigureOut">
               <a:rPr lang="he-IL" smtClean="0"/>
-              <a:t>ח'/תמוז/תשפ"ד</a:t>
+              <a:t>ט'/תמוז/תשפ"ד</a:t>
             </a:fld>
             <a:endParaRPr lang="he-IL"/>
           </a:p>
@@ -2076,7 +5186,7 @@
           <a:p>
             <a:fld id="{90DB2465-284A-49DF-85DD-813E0F1EDDC9}" type="datetimeFigureOut">
               <a:rPr lang="he-IL" smtClean="0"/>
-              <a:t>ח'/תמוז/תשפ"ד</a:t>
+              <a:t>ט'/תמוז/תשפ"ד</a:t>
             </a:fld>
             <a:endParaRPr lang="he-IL"/>
           </a:p>
@@ -2387,7 +5497,7 @@
           <a:p>
             <a:fld id="{90DB2465-284A-49DF-85DD-813E0F1EDDC9}" type="datetimeFigureOut">
               <a:rPr lang="he-IL" smtClean="0"/>
-              <a:t>ח'/תמוז/תשפ"ד</a:t>
+              <a:t>ט'/תמוז/תשפ"ד</a:t>
             </a:fld>
             <a:endParaRPr lang="he-IL"/>
           </a:p>
@@ -2675,7 +5785,7 @@
           <a:p>
             <a:fld id="{90DB2465-284A-49DF-85DD-813E0F1EDDC9}" type="datetimeFigureOut">
               <a:rPr lang="he-IL" smtClean="0"/>
-              <a:t>ח'/תמוז/תשפ"ד</a:t>
+              <a:t>ט'/תמוז/תשפ"ד</a:t>
             </a:fld>
             <a:endParaRPr lang="he-IL"/>
           </a:p>
@@ -2916,7 +6026,7 @@
           <a:p>
             <a:fld id="{90DB2465-284A-49DF-85DD-813E0F1EDDC9}" type="datetimeFigureOut">
               <a:rPr lang="he-IL" smtClean="0"/>
-              <a:t>ח'/תמוז/תשפ"ד</a:t>
+              <a:t>ט'/תמוז/תשפ"ד</a:t>
             </a:fld>
             <a:endParaRPr lang="he-IL"/>
           </a:p>
@@ -3863,7 +6973,7 @@
         </p:spPr>
         <p:txBody>
           <a:bodyPr anchor="ctr">
-            <a:normAutofit fontScale="92500" lnSpcReduction="10000"/>
+            <a:normAutofit fontScale="70000" lnSpcReduction="20000"/>
           </a:bodyPr>
           <a:lstStyle/>
           <a:p>
@@ -3884,9 +6994,10 @@
               </a:lnSpc>
             </a:pPr>
             <a:r>
-              <a:rPr lang="en-US" dirty="0"/>
-              <a:t>22 years old</a:t>
+              <a:rPr lang="en-US" dirty="0" err="1"/>
+              <a:t>Isfiya</a:t>
             </a:r>
+            <a:endParaRPr lang="en-US" dirty="0"/>
           </a:p>
           <a:p>
             <a:pPr algn="l" rtl="0">
@@ -3896,7 +7007,18 @@
             </a:pPr>
             <a:r>
               <a:rPr lang="en-US" dirty="0"/>
-              <a:t>Student at The Open University</a:t>
+              <a:t>22 years old</a:t>
+            </a:r>
+          </a:p>
+          <a:p>
+            <a:pPr algn="l" rtl="0">
+              <a:lnSpc>
+                <a:spcPct val="200000"/>
+              </a:lnSpc>
+            </a:pPr>
+            <a:r>
+              <a:rPr lang="en-US" dirty="0"/>
+              <a:t>Computer Science student at The Open University</a:t>
             </a:r>
           </a:p>
           <a:p>
@@ -4830,68 +7952,34 @@
           </a:p>
         </p:txBody>
       </p:sp>
-      <p:pic>
-        <p:nvPicPr>
-          <p:cNvPr id="7" name="תמונה 6">
+      <p:graphicFrame>
+        <p:nvGraphicFramePr>
+          <p:cNvPr id="25" name="תיבת טקסט 8">
             <a:extLst>
               <a:ext uri="{FF2B5EF4-FFF2-40B4-BE49-F238E27FC236}">
-                <a16:creationId xmlns:a16="http://schemas.microsoft.com/office/drawing/2014/main" id="{302491B2-0519-90FF-9F60-562E3C0A0CAD}"/>
+                <a16:creationId xmlns:a16="http://schemas.microsoft.com/office/drawing/2014/main" id="{B36A04DE-CFF9-6A82-1C95-A318E3E08CDA}"/>
               </a:ext>
             </a:extLst>
           </p:cNvPr>
-          <p:cNvPicPr>
-            <a:picLocks noChangeAspect="1"/>
-          </p:cNvPicPr>
-          <p:nvPr/>
-        </p:nvPicPr>
-        <p:blipFill>
-          <a:blip r:embed="rId2"/>
-          <a:stretch>
-            <a:fillRect/>
-          </a:stretch>
-        </p:blipFill>
-        <p:spPr>
-          <a:xfrm>
-            <a:off x="1408383" y="2301302"/>
-            <a:ext cx="4330360" cy="4352122"/>
-          </a:xfrm>
-          <a:prstGeom prst="rect">
-            <a:avLst/>
-          </a:prstGeom>
-        </p:spPr>
-      </p:pic>
-      <p:pic>
-        <p:nvPicPr>
-          <p:cNvPr id="5" name="מציין מיקום תוכן 4">
-            <a:extLst>
-              <a:ext uri="{FF2B5EF4-FFF2-40B4-BE49-F238E27FC236}">
-                <a16:creationId xmlns:a16="http://schemas.microsoft.com/office/drawing/2014/main" id="{B55AA0F0-8212-D053-A02D-92E3034332BD}"/>
-              </a:ext>
-            </a:extLst>
-          </p:cNvPr>
-          <p:cNvPicPr>
-            <a:picLocks noGrp="1" noChangeAspect="1"/>
-          </p:cNvPicPr>
+          <p:cNvGraphicFramePr/>
           <p:nvPr>
-            <p:ph idx="1"/>
+            <p:extLst>
+              <p:ext uri="{D42A27DB-BD31-4B8C-83A1-F6EECF244321}">
+                <p14:modId xmlns:p14="http://schemas.microsoft.com/office/powerpoint/2010/main" val="1749268290"/>
+              </p:ext>
+            </p:extLst>
           </p:nvPr>
-        </p:nvPicPr>
-        <p:blipFill>
-          <a:blip r:embed="rId3"/>
-          <a:stretch>
-            <a:fillRect/>
-          </a:stretch>
-        </p:blipFill>
-        <p:spPr>
-          <a:xfrm>
-            <a:off x="6421582" y="2283013"/>
-            <a:ext cx="4493996" cy="4370411"/>
-          </a:xfrm>
-          <a:prstGeom prst="rect">
-            <a:avLst/>
-          </a:prstGeom>
-        </p:spPr>
-      </p:pic>
+        </p:nvGraphicFramePr>
+        <p:xfrm>
+          <a:off x="639656" y="2283014"/>
+          <a:ext cx="10681398" cy="4281300"/>
+        </p:xfrm>
+        <a:graphic>
+          <a:graphicData uri="http://schemas.openxmlformats.org/drawingml/2006/diagram">
+            <dgm:relIds xmlns:dgm="http://schemas.openxmlformats.org/drawingml/2006/diagram" xmlns:r="http://schemas.openxmlformats.org/officeDocument/2006/relationships" r:dm="rId2" r:lo="rId3" r:qs="rId4" r:cs="rId5"/>
+          </a:graphicData>
+        </a:graphic>
+      </p:graphicFrame>
     </p:spTree>
     <p:extLst>
       <p:ext uri="{BB962C8B-B14F-4D97-AF65-F5344CB8AC3E}">

--- a/testing_asana_project/Asana Presentation.pptx
+++ b/testing_asana_project/Asana Presentation.pptx
@@ -3376,7 +3376,7 @@
           <a:p>
             <a:fld id="{90DB2465-284A-49DF-85DD-813E0F1EDDC9}" type="datetimeFigureOut">
               <a:rPr lang="he-IL" smtClean="0"/>
-              <a:t>ט'/תמוז/תשפ"ד</a:t>
+              <a:t>י'/תמוז/תשפ"ד</a:t>
             </a:fld>
             <a:endParaRPr lang="he-IL"/>
           </a:p>
@@ -3574,7 +3574,7 @@
           <a:p>
             <a:fld id="{90DB2465-284A-49DF-85DD-813E0F1EDDC9}" type="datetimeFigureOut">
               <a:rPr lang="he-IL" smtClean="0"/>
-              <a:t>ט'/תמוז/תשפ"ד</a:t>
+              <a:t>י'/תמוז/תשפ"ד</a:t>
             </a:fld>
             <a:endParaRPr lang="he-IL"/>
           </a:p>
@@ -3782,7 +3782,7 @@
           <a:p>
             <a:fld id="{90DB2465-284A-49DF-85DD-813E0F1EDDC9}" type="datetimeFigureOut">
               <a:rPr lang="he-IL" smtClean="0"/>
-              <a:t>ט'/תמוז/תשפ"ד</a:t>
+              <a:t>י'/תמוז/תשפ"ד</a:t>
             </a:fld>
             <a:endParaRPr lang="he-IL"/>
           </a:p>
@@ -3980,7 +3980,7 @@
           <a:p>
             <a:fld id="{90DB2465-284A-49DF-85DD-813E0F1EDDC9}" type="datetimeFigureOut">
               <a:rPr lang="he-IL" smtClean="0"/>
-              <a:t>ט'/תמוז/תשפ"ד</a:t>
+              <a:t>י'/תמוז/תשפ"ד</a:t>
             </a:fld>
             <a:endParaRPr lang="he-IL"/>
           </a:p>
@@ -4255,7 +4255,7 @@
           <a:p>
             <a:fld id="{90DB2465-284A-49DF-85DD-813E0F1EDDC9}" type="datetimeFigureOut">
               <a:rPr lang="he-IL" smtClean="0"/>
-              <a:t>ט'/תמוז/תשפ"ד</a:t>
+              <a:t>י'/תמוז/תשפ"ד</a:t>
             </a:fld>
             <a:endParaRPr lang="he-IL"/>
           </a:p>
@@ -4520,7 +4520,7 @@
           <a:p>
             <a:fld id="{90DB2465-284A-49DF-85DD-813E0F1EDDC9}" type="datetimeFigureOut">
               <a:rPr lang="he-IL" smtClean="0"/>
-              <a:t>ט'/תמוז/תשפ"ד</a:t>
+              <a:t>י'/תמוז/תשפ"ד</a:t>
             </a:fld>
             <a:endParaRPr lang="he-IL"/>
           </a:p>
@@ -4932,7 +4932,7 @@
           <a:p>
             <a:fld id="{90DB2465-284A-49DF-85DD-813E0F1EDDC9}" type="datetimeFigureOut">
               <a:rPr lang="he-IL" smtClean="0"/>
-              <a:t>ט'/תמוז/תשפ"ד</a:t>
+              <a:t>י'/תמוז/תשפ"ד</a:t>
             </a:fld>
             <a:endParaRPr lang="he-IL"/>
           </a:p>
@@ -5073,7 +5073,7 @@
           <a:p>
             <a:fld id="{90DB2465-284A-49DF-85DD-813E0F1EDDC9}" type="datetimeFigureOut">
               <a:rPr lang="he-IL" smtClean="0"/>
-              <a:t>ט'/תמוז/תשפ"ד</a:t>
+              <a:t>י'/תמוז/תשפ"ד</a:t>
             </a:fld>
             <a:endParaRPr lang="he-IL"/>
           </a:p>
@@ -5186,7 +5186,7 @@
           <a:p>
             <a:fld id="{90DB2465-284A-49DF-85DD-813E0F1EDDC9}" type="datetimeFigureOut">
               <a:rPr lang="he-IL" smtClean="0"/>
-              <a:t>ט'/תמוז/תשפ"ד</a:t>
+              <a:t>י'/תמוז/תשפ"ד</a:t>
             </a:fld>
             <a:endParaRPr lang="he-IL"/>
           </a:p>
@@ -5497,7 +5497,7 @@
           <a:p>
             <a:fld id="{90DB2465-284A-49DF-85DD-813E0F1EDDC9}" type="datetimeFigureOut">
               <a:rPr lang="he-IL" smtClean="0"/>
-              <a:t>ט'/תמוז/תשפ"ד</a:t>
+              <a:t>י'/תמוז/תשפ"ד</a:t>
             </a:fld>
             <a:endParaRPr lang="he-IL"/>
           </a:p>
@@ -5785,7 +5785,7 @@
           <a:p>
             <a:fld id="{90DB2465-284A-49DF-85DD-813E0F1EDDC9}" type="datetimeFigureOut">
               <a:rPr lang="he-IL" smtClean="0"/>
-              <a:t>ט'/תמוז/תשפ"ד</a:t>
+              <a:t>י'/תמוז/תשפ"ד</a:t>
             </a:fld>
             <a:endParaRPr lang="he-IL"/>
           </a:p>
@@ -6026,7 +6026,7 @@
           <a:p>
             <a:fld id="{90DB2465-284A-49DF-85DD-813E0F1EDDC9}" type="datetimeFigureOut">
               <a:rPr lang="he-IL" smtClean="0"/>
-              <a:t>ט'/תמוז/תשפ"ד</a:t>
+              <a:t>י'/תמוז/תשפ"ד</a:t>
             </a:fld>
             <a:endParaRPr lang="he-IL"/>
           </a:p>
@@ -7386,7 +7386,7 @@
                 <a:latin typeface="Hadassah Friedlaender" panose="02020603050405020304" pitchFamily="18" charset="-79"/>
                 <a:cs typeface="Hadassah Friedlaender" panose="02020603050405020304" pitchFamily="18" charset="-79"/>
               </a:rPr>
-              <a:t>Asana  website</a:t>
+              <a:t>Asana web app</a:t>
             </a:r>
             <a:endParaRPr lang="he-IL" sz="6000" dirty="0">
               <a:latin typeface="Hadassah Friedlaender" panose="02020603050405020304" pitchFamily="18" charset="-79"/>
